--- a/slide/week6/week6 Attention.pptx
+++ b/slide/week6/week6 Attention.pptx
@@ -5,29 +5,28 @@
     <p:sldMasterId id="2147483648" r:id="rId1"/>
   </p:sldMasterIdLst>
   <p:notesMasterIdLst>
-    <p:notesMasterId r:id="rId22"/>
+    <p:notesMasterId r:id="rId21"/>
   </p:notesMasterIdLst>
   <p:sldIdLst>
     <p:sldId id="256" r:id="rId2"/>
-    <p:sldId id="279" r:id="rId3"/>
-    <p:sldId id="280" r:id="rId4"/>
-    <p:sldId id="281" r:id="rId5"/>
-    <p:sldId id="284" r:id="rId6"/>
-    <p:sldId id="285" r:id="rId7"/>
-    <p:sldId id="286" r:id="rId8"/>
-    <p:sldId id="287" r:id="rId9"/>
-    <p:sldId id="288" r:id="rId10"/>
-    <p:sldId id="290" r:id="rId11"/>
-    <p:sldId id="291" r:id="rId12"/>
-    <p:sldId id="292" r:id="rId13"/>
-    <p:sldId id="293" r:id="rId14"/>
-    <p:sldId id="294" r:id="rId15"/>
-    <p:sldId id="295" r:id="rId16"/>
-    <p:sldId id="296" r:id="rId17"/>
-    <p:sldId id="297" r:id="rId18"/>
-    <p:sldId id="298" r:id="rId19"/>
-    <p:sldId id="299" r:id="rId20"/>
-    <p:sldId id="289" r:id="rId21"/>
+    <p:sldId id="304" r:id="rId3"/>
+    <p:sldId id="305" r:id="rId4"/>
+    <p:sldId id="306" r:id="rId5"/>
+    <p:sldId id="307" r:id="rId6"/>
+    <p:sldId id="308" r:id="rId7"/>
+    <p:sldId id="309" r:id="rId8"/>
+    <p:sldId id="310" r:id="rId9"/>
+    <p:sldId id="311" r:id="rId10"/>
+    <p:sldId id="315" r:id="rId11"/>
+    <p:sldId id="312" r:id="rId12"/>
+    <p:sldId id="314" r:id="rId13"/>
+    <p:sldId id="316" r:id="rId14"/>
+    <p:sldId id="317" r:id="rId15"/>
+    <p:sldId id="318" r:id="rId16"/>
+    <p:sldId id="319" r:id="rId17"/>
+    <p:sldId id="320" r:id="rId18"/>
+    <p:sldId id="299" r:id="rId19"/>
+    <p:sldId id="289" r:id="rId20"/>
   </p:sldIdLst>
   <p:sldSz cx="12192000" cy="6858000"/>
   <p:notesSz cx="6858000" cy="9144000"/>
@@ -216,7 +215,7 @@
           <a:p>
             <a:fld id="{51CA9FB8-3050-46C5-BCC2-01B763353D55}" type="datetimeFigureOut">
               <a:rPr lang="en-US" smtClean="0"/>
-              <a:t>3/12/2022</a:t>
+              <a:t>8/3/2022</a:t>
             </a:fld>
             <a:endParaRPr lang="en-US"/>
           </a:p>
@@ -579,7 +578,7 @@
     </p:spTree>
     <p:extLst>
       <p:ext uri="{BB962C8B-B14F-4D97-AF65-F5344CB8AC3E}">
-        <p14:creationId xmlns:p14="http://schemas.microsoft.com/office/powerpoint/2010/main" val="795910617"/>
+        <p14:creationId xmlns:p14="http://schemas.microsoft.com/office/powerpoint/2010/main" val="930296164"/>
       </p:ext>
     </p:extLst>
   </p:cSld>
@@ -635,7 +634,7 @@
           <a:p>
             <a:r>
               <a:rPr lang="en-US" dirty="0" smtClean="0"/>
-              <a:t>https://d2l.ai/chapter_optimization/convexity.html</a:t>
+              <a:t>https://ai.googleblog.com/2017/08/transformer-novel-neural-network.html</a:t>
             </a:r>
             <a:endParaRPr lang="en-US" dirty="0"/>
           </a:p>
@@ -658,7 +657,7 @@
           <a:p>
             <a:fld id="{74668BCF-21A2-461F-AAC6-16B7FF9C72B7}" type="slidenum">
               <a:rPr lang="en-US" smtClean="0"/>
-              <a:t>11</a:t>
+              <a:t>10</a:t>
             </a:fld>
             <a:endParaRPr lang="en-US"/>
           </a:p>
@@ -667,7 +666,7 @@
     </p:spTree>
     <p:extLst>
       <p:ext uri="{BB962C8B-B14F-4D97-AF65-F5344CB8AC3E}">
-        <p14:creationId xmlns:p14="http://schemas.microsoft.com/office/powerpoint/2010/main" val="3964697285"/>
+        <p14:creationId xmlns:p14="http://schemas.microsoft.com/office/powerpoint/2010/main" val="2007979879"/>
       </p:ext>
     </p:extLst>
   </p:cSld>
@@ -723,7 +722,7 @@
           <a:p>
             <a:r>
               <a:rPr lang="en-US" dirty="0" smtClean="0"/>
-              <a:t>https://d2l.ai/chapter_optimization/momentum.html</a:t>
+              <a:t>https://ai.googleblog.com/2017/08/transformer-novel-neural-network.html</a:t>
             </a:r>
             <a:endParaRPr lang="en-US" dirty="0"/>
           </a:p>
@@ -746,7 +745,7 @@
           <a:p>
             <a:fld id="{74668BCF-21A2-461F-AAC6-16B7FF9C72B7}" type="slidenum">
               <a:rPr lang="en-US" smtClean="0"/>
-              <a:t>14</a:t>
+              <a:t>12</a:t>
             </a:fld>
             <a:endParaRPr lang="en-US"/>
           </a:p>
@@ -755,7 +754,183 @@
     </p:spTree>
     <p:extLst>
       <p:ext uri="{BB962C8B-B14F-4D97-AF65-F5344CB8AC3E}">
-        <p14:creationId xmlns:p14="http://schemas.microsoft.com/office/powerpoint/2010/main" val="731118679"/>
+        <p14:creationId xmlns:p14="http://schemas.microsoft.com/office/powerpoint/2010/main" val="4170390897"/>
+      </p:ext>
+    </p:extLst>
+  </p:cSld>
+  <p:clrMapOvr>
+    <a:masterClrMapping/>
+  </p:clrMapOvr>
+</p:notes>
+</file>
+
+<file path=ppt/notesSlides/notesSlide4.xml><?xml version="1.0" encoding="utf-8"?>
+<p:notes xmlns:a="http://schemas.openxmlformats.org/drawingml/2006/main" xmlns:r="http://schemas.openxmlformats.org/officeDocument/2006/relationships" xmlns:p="http://schemas.openxmlformats.org/presentationml/2006/main">
+  <p:cSld>
+    <p:spTree>
+      <p:nvGrpSpPr>
+        <p:cNvPr id="1" name=""/>
+        <p:cNvGrpSpPr/>
+        <p:nvPr/>
+      </p:nvGrpSpPr>
+      <p:grpSpPr>
+        <a:xfrm>
+          <a:off x="0" y="0"/>
+          <a:ext cx="0" cy="0"/>
+          <a:chOff x="0" y="0"/>
+          <a:chExt cx="0" cy="0"/>
+        </a:xfrm>
+      </p:grpSpPr>
+      <p:sp>
+        <p:nvSpPr>
+          <p:cNvPr id="2" name="Slide Image Placeholder 1"/>
+          <p:cNvSpPr>
+            <a:spLocks noGrp="1" noRot="1" noChangeAspect="1"/>
+          </p:cNvSpPr>
+          <p:nvPr>
+            <p:ph type="sldImg"/>
+          </p:nvPr>
+        </p:nvSpPr>
+        <p:spPr/>
+      </p:sp>
+      <p:sp>
+        <p:nvSpPr>
+          <p:cNvPr id="3" name="Notes Placeholder 2"/>
+          <p:cNvSpPr>
+            <a:spLocks noGrp="1"/>
+          </p:cNvSpPr>
+          <p:nvPr>
+            <p:ph type="body" idx="1"/>
+          </p:nvPr>
+        </p:nvSpPr>
+        <p:spPr/>
+        <p:txBody>
+          <a:bodyPr/>
+          <a:lstStyle/>
+          <a:p>
+            <a:r>
+              <a:rPr lang="en-US" dirty="0" smtClean="0"/>
+              <a:t>https://ai.googleblog.com/2017/08/transformer-novel-neural-network.html</a:t>
+            </a:r>
+            <a:endParaRPr lang="en-US" dirty="0"/>
+          </a:p>
+        </p:txBody>
+      </p:sp>
+      <p:sp>
+        <p:nvSpPr>
+          <p:cNvPr id="4" name="Slide Number Placeholder 3"/>
+          <p:cNvSpPr>
+            <a:spLocks noGrp="1"/>
+          </p:cNvSpPr>
+          <p:nvPr>
+            <p:ph type="sldNum" sz="quarter" idx="10"/>
+          </p:nvPr>
+        </p:nvSpPr>
+        <p:spPr/>
+        <p:txBody>
+          <a:bodyPr/>
+          <a:lstStyle/>
+          <a:p>
+            <a:fld id="{74668BCF-21A2-461F-AAC6-16B7FF9C72B7}" type="slidenum">
+              <a:rPr lang="en-US" smtClean="0"/>
+              <a:t>13</a:t>
+            </a:fld>
+            <a:endParaRPr lang="en-US"/>
+          </a:p>
+        </p:txBody>
+      </p:sp>
+    </p:spTree>
+    <p:extLst>
+      <p:ext uri="{BB962C8B-B14F-4D97-AF65-F5344CB8AC3E}">
+        <p14:creationId xmlns:p14="http://schemas.microsoft.com/office/powerpoint/2010/main" val="2726723217"/>
+      </p:ext>
+    </p:extLst>
+  </p:cSld>
+  <p:clrMapOvr>
+    <a:masterClrMapping/>
+  </p:clrMapOvr>
+</p:notes>
+</file>
+
+<file path=ppt/notesSlides/notesSlide5.xml><?xml version="1.0" encoding="utf-8"?>
+<p:notes xmlns:a="http://schemas.openxmlformats.org/drawingml/2006/main" xmlns:r="http://schemas.openxmlformats.org/officeDocument/2006/relationships" xmlns:p="http://schemas.openxmlformats.org/presentationml/2006/main">
+  <p:cSld>
+    <p:spTree>
+      <p:nvGrpSpPr>
+        <p:cNvPr id="1" name=""/>
+        <p:cNvGrpSpPr/>
+        <p:nvPr/>
+      </p:nvGrpSpPr>
+      <p:grpSpPr>
+        <a:xfrm>
+          <a:off x="0" y="0"/>
+          <a:ext cx="0" cy="0"/>
+          <a:chOff x="0" y="0"/>
+          <a:chExt cx="0" cy="0"/>
+        </a:xfrm>
+      </p:grpSpPr>
+      <p:sp>
+        <p:nvSpPr>
+          <p:cNvPr id="2" name="Slide Image Placeholder 1"/>
+          <p:cNvSpPr>
+            <a:spLocks noGrp="1" noRot="1" noChangeAspect="1"/>
+          </p:cNvSpPr>
+          <p:nvPr>
+            <p:ph type="sldImg"/>
+          </p:nvPr>
+        </p:nvSpPr>
+        <p:spPr/>
+      </p:sp>
+      <p:sp>
+        <p:nvSpPr>
+          <p:cNvPr id="3" name="Notes Placeholder 2"/>
+          <p:cNvSpPr>
+            <a:spLocks noGrp="1"/>
+          </p:cNvSpPr>
+          <p:nvPr>
+            <p:ph type="body" idx="1"/>
+          </p:nvPr>
+        </p:nvSpPr>
+        <p:spPr/>
+        <p:txBody>
+          <a:bodyPr/>
+          <a:lstStyle/>
+          <a:p>
+            <a:r>
+              <a:rPr lang="en-US" dirty="0" smtClean="0"/>
+              <a:t>https://github.com/bentrevett/pytorch-seq2seq</a:t>
+            </a:r>
+            <a:endParaRPr lang="en-US" dirty="0"/>
+          </a:p>
+        </p:txBody>
+      </p:sp>
+      <p:sp>
+        <p:nvSpPr>
+          <p:cNvPr id="4" name="Slide Number Placeholder 3"/>
+          <p:cNvSpPr>
+            <a:spLocks noGrp="1"/>
+          </p:cNvSpPr>
+          <p:nvPr>
+            <p:ph type="sldNum" sz="quarter" idx="10"/>
+          </p:nvPr>
+        </p:nvSpPr>
+        <p:spPr/>
+        <p:txBody>
+          <a:bodyPr/>
+          <a:lstStyle/>
+          <a:p>
+            <a:fld id="{74668BCF-21A2-461F-AAC6-16B7FF9C72B7}" type="slidenum">
+              <a:rPr lang="en-US" smtClean="0"/>
+              <a:t>19</a:t>
+            </a:fld>
+            <a:endParaRPr lang="en-US"/>
+          </a:p>
+        </p:txBody>
+      </p:sp>
+    </p:spTree>
+    <p:extLst>
+      <p:ext uri="{BB962C8B-B14F-4D97-AF65-F5344CB8AC3E}">
+        <p14:creationId xmlns:p14="http://schemas.microsoft.com/office/powerpoint/2010/main" val="4200517694"/>
       </p:ext>
     </p:extLst>
   </p:cSld>
@@ -896,7 +1071,7 @@
           <a:p>
             <a:fld id="{605F9D8B-F268-4FDC-9177-FD3B20249225}" type="datetimeFigureOut">
               <a:rPr lang="en-US" smtClean="0"/>
-              <a:t>3/12/2022</a:t>
+              <a:t>8/3/2022</a:t>
             </a:fld>
             <a:endParaRPr lang="en-US"/>
           </a:p>
@@ -1066,7 +1241,7 @@
           <a:p>
             <a:fld id="{605F9D8B-F268-4FDC-9177-FD3B20249225}" type="datetimeFigureOut">
               <a:rPr lang="en-US" smtClean="0"/>
-              <a:t>3/12/2022</a:t>
+              <a:t>8/3/2022</a:t>
             </a:fld>
             <a:endParaRPr lang="en-US"/>
           </a:p>
@@ -1246,7 +1421,7 @@
           <a:p>
             <a:fld id="{605F9D8B-F268-4FDC-9177-FD3B20249225}" type="datetimeFigureOut">
               <a:rPr lang="en-US" smtClean="0"/>
-              <a:t>3/12/2022</a:t>
+              <a:t>8/3/2022</a:t>
             </a:fld>
             <a:endParaRPr lang="en-US"/>
           </a:p>
@@ -1416,7 +1591,7 @@
           <a:p>
             <a:fld id="{605F9D8B-F268-4FDC-9177-FD3B20249225}" type="datetimeFigureOut">
               <a:rPr lang="en-US" smtClean="0"/>
-              <a:t>3/12/2022</a:t>
+              <a:t>8/3/2022</a:t>
             </a:fld>
             <a:endParaRPr lang="en-US"/>
           </a:p>
@@ -1662,7 +1837,7 @@
           <a:p>
             <a:fld id="{605F9D8B-F268-4FDC-9177-FD3B20249225}" type="datetimeFigureOut">
               <a:rPr lang="en-US" smtClean="0"/>
-              <a:t>3/12/2022</a:t>
+              <a:t>8/3/2022</a:t>
             </a:fld>
             <a:endParaRPr lang="en-US"/>
           </a:p>
@@ -1894,7 +2069,7 @@
           <a:p>
             <a:fld id="{605F9D8B-F268-4FDC-9177-FD3B20249225}" type="datetimeFigureOut">
               <a:rPr lang="en-US" smtClean="0"/>
-              <a:t>3/12/2022</a:t>
+              <a:t>8/3/2022</a:t>
             </a:fld>
             <a:endParaRPr lang="en-US"/>
           </a:p>
@@ -2261,7 +2436,7 @@
           <a:p>
             <a:fld id="{605F9D8B-F268-4FDC-9177-FD3B20249225}" type="datetimeFigureOut">
               <a:rPr lang="en-US" smtClean="0"/>
-              <a:t>3/12/2022</a:t>
+              <a:t>8/3/2022</a:t>
             </a:fld>
             <a:endParaRPr lang="en-US"/>
           </a:p>
@@ -2379,7 +2554,7 @@
           <a:p>
             <a:fld id="{605F9D8B-F268-4FDC-9177-FD3B20249225}" type="datetimeFigureOut">
               <a:rPr lang="en-US" smtClean="0"/>
-              <a:t>3/12/2022</a:t>
+              <a:t>8/3/2022</a:t>
             </a:fld>
             <a:endParaRPr lang="en-US"/>
           </a:p>
@@ -2474,7 +2649,7 @@
           <a:p>
             <a:fld id="{605F9D8B-F268-4FDC-9177-FD3B20249225}" type="datetimeFigureOut">
               <a:rPr lang="en-US" smtClean="0"/>
-              <a:t>3/12/2022</a:t>
+              <a:t>8/3/2022</a:t>
             </a:fld>
             <a:endParaRPr lang="en-US"/>
           </a:p>
@@ -2751,7 +2926,7 @@
           <a:p>
             <a:fld id="{605F9D8B-F268-4FDC-9177-FD3B20249225}" type="datetimeFigureOut">
               <a:rPr lang="en-US" smtClean="0"/>
-              <a:t>3/12/2022</a:t>
+              <a:t>8/3/2022</a:t>
             </a:fld>
             <a:endParaRPr lang="en-US"/>
           </a:p>
@@ -3004,7 +3179,7 @@
           <a:p>
             <a:fld id="{605F9D8B-F268-4FDC-9177-FD3B20249225}" type="datetimeFigureOut">
               <a:rPr lang="en-US" smtClean="0"/>
-              <a:t>3/12/2022</a:t>
+              <a:t>8/3/2022</a:t>
             </a:fld>
             <a:endParaRPr lang="en-US"/>
           </a:p>
@@ -3217,7 +3392,7 @@
           <a:p>
             <a:fld id="{605F9D8B-F268-4FDC-9177-FD3B20249225}" type="datetimeFigureOut">
               <a:rPr lang="en-US" smtClean="0"/>
-              <a:t>3/12/2022</a:t>
+              <a:t>8/3/2022</a:t>
             </a:fld>
             <a:endParaRPr lang="en-US"/>
           </a:p>
@@ -3638,8 +3813,43 @@
           <a:lstStyle/>
           <a:p>
             <a:r>
-              <a:rPr lang="en-US" dirty="0" smtClean="0"/>
-              <a:t>Sequential model</a:t>
+              <a:rPr lang="en-US" dirty="0" err="1" smtClean="0"/>
+              <a:t>Bạn</a:t>
+            </a:r>
+            <a:r>
+              <a:rPr lang="en-US" dirty="0" smtClean="0"/>
+              <a:t> </a:t>
+            </a:r>
+            <a:r>
+              <a:rPr lang="en-US" dirty="0" err="1" smtClean="0"/>
+              <a:t>chỉ</a:t>
+            </a:r>
+            <a:r>
+              <a:rPr lang="en-US" dirty="0" smtClean="0"/>
+              <a:t> </a:t>
+            </a:r>
+            <a:r>
+              <a:rPr lang="en-US" dirty="0" err="1" smtClean="0"/>
+              <a:t>cần</a:t>
+            </a:r>
+            <a:r>
+              <a:rPr lang="en-US" dirty="0" smtClean="0"/>
+              <a:t> </a:t>
+            </a:r>
+            <a:r>
+              <a:rPr lang="en-US" dirty="0" err="1" smtClean="0"/>
+              <a:t>chú</a:t>
+            </a:r>
+            <a:r>
+              <a:rPr lang="en-US" dirty="0" smtClean="0"/>
+              <a:t> ý </a:t>
+            </a:r>
+            <a:br>
+              <a:rPr lang="en-US" dirty="0" smtClean="0"/>
+            </a:br>
+            <a:r>
+              <a:rPr lang="en-US" dirty="0" smtClean="0"/>
+              <a:t>(attention is all you need)</a:t>
             </a:r>
             <a:endParaRPr lang="en-US" dirty="0"/>
           </a:p>
@@ -3710,12 +3920,68 @@
           <a:lstStyle/>
           <a:p>
             <a:r>
-              <a:rPr lang="fr-FR" dirty="0" err="1" smtClean="0"/>
-              <a:t>Saddle</a:t>
-            </a:r>
-            <a:r>
-              <a:rPr lang="fr-FR" dirty="0" smtClean="0"/>
-              <a:t> point</a:t>
+              <a:rPr lang="en-US" dirty="0"/>
+              <a:t>Transformer </a:t>
+            </a:r>
+            <a:r>
+              <a:rPr lang="en-US" dirty="0" err="1"/>
+              <a:t>là</a:t>
+            </a:r>
+            <a:r>
+              <a:rPr lang="en-US" dirty="0"/>
+              <a:t> </a:t>
+            </a:r>
+            <a:r>
+              <a:rPr lang="en-US" dirty="0" err="1"/>
+              <a:t>gì</a:t>
+            </a:r>
+            <a:r>
+              <a:rPr lang="en-US" dirty="0"/>
+              <a:t> </a:t>
+            </a:r>
+            <a:r>
+              <a:rPr lang="en-US" dirty="0" err="1"/>
+              <a:t>và</a:t>
+            </a:r>
+            <a:r>
+              <a:rPr lang="en-US" dirty="0"/>
+              <a:t> </a:t>
+            </a:r>
+            <a:r>
+              <a:rPr lang="en-US" dirty="0" err="1"/>
+              <a:t>tại</a:t>
+            </a:r>
+            <a:r>
+              <a:rPr lang="en-US" dirty="0"/>
+              <a:t> </a:t>
+            </a:r>
+            <a:r>
+              <a:rPr lang="en-US" dirty="0" err="1"/>
+              <a:t>sao</a:t>
+            </a:r>
+            <a:r>
+              <a:rPr lang="en-US" dirty="0"/>
+              <a:t> </a:t>
+            </a:r>
+            <a:r>
+              <a:rPr lang="en-US" dirty="0" err="1"/>
+              <a:t>lại</a:t>
+            </a:r>
+            <a:r>
+              <a:rPr lang="en-US" dirty="0"/>
+              <a:t> </a:t>
+            </a:r>
+            <a:r>
+              <a:rPr lang="en-US" dirty="0" err="1"/>
+              <a:t>hiệu</a:t>
+            </a:r>
+            <a:r>
+              <a:rPr lang="en-US" dirty="0"/>
+              <a:t> </a:t>
+            </a:r>
+            <a:r>
+              <a:rPr lang="en-US" dirty="0" err="1"/>
+              <a:t>quả</a:t>
             </a:r>
             <a:endParaRPr lang="en-US" dirty="0"/>
           </a:p>
@@ -3733,47 +3999,940 @@
         </p:nvSpPr>
         <p:spPr/>
         <p:txBody>
-          <a:bodyPr/>
-          <a:lstStyle/>
-          <a:p>
-            <a:endParaRPr lang="en-US"/>
-          </a:p>
-        </p:txBody>
-      </p:sp>
-      <p:pic>
-        <p:nvPicPr>
-          <p:cNvPr id="4" name="Picture 3"/>
-          <p:cNvPicPr>
-            <a:picLocks noChangeAspect="1"/>
-          </p:cNvPicPr>
-          <p:nvPr/>
-        </p:nvPicPr>
-        <p:blipFill>
-          <a:blip r:embed="rId2"/>
-          <a:stretch>
-            <a:fillRect/>
-          </a:stretch>
-        </p:blipFill>
-        <p:spPr>
-          <a:xfrm>
-            <a:off x="4110037" y="2605881"/>
-            <a:ext cx="3971925" cy="2790825"/>
-          </a:xfrm>
-          <a:prstGeom prst="rect">
-            <a:avLst/>
-          </a:prstGeom>
-        </p:spPr>
-      </p:pic>
+          <a:bodyPr>
+            <a:normAutofit fontScale="70000" lnSpcReduction="20000"/>
+          </a:bodyPr>
+          <a:lstStyle/>
+          <a:p>
+            <a:r>
+              <a:rPr lang="en-US" dirty="0" smtClean="0"/>
+              <a:t>Encoder:</a:t>
+            </a:r>
+          </a:p>
+          <a:p>
+            <a:pPr lvl="1"/>
+            <a:r>
+              <a:rPr lang="en-US" dirty="0" err="1" smtClean="0"/>
+              <a:t>Tất</a:t>
+            </a:r>
+            <a:r>
+              <a:rPr lang="en-US" dirty="0" smtClean="0"/>
+              <a:t> </a:t>
+            </a:r>
+            <a:r>
+              <a:rPr lang="en-US" dirty="0" err="1" smtClean="0"/>
+              <a:t>cả</a:t>
+            </a:r>
+            <a:r>
+              <a:rPr lang="en-US" dirty="0" smtClean="0"/>
+              <a:t> </a:t>
+            </a:r>
+            <a:r>
+              <a:rPr lang="en-US" dirty="0" err="1" smtClean="0"/>
+              <a:t>các</a:t>
+            </a:r>
+            <a:r>
+              <a:rPr lang="en-US" dirty="0" smtClean="0"/>
+              <a:t> </a:t>
+            </a:r>
+            <a:r>
+              <a:rPr lang="en-US" dirty="0" err="1" smtClean="0"/>
+              <a:t>phần</a:t>
+            </a:r>
+            <a:r>
+              <a:rPr lang="en-US" dirty="0" smtClean="0"/>
+              <a:t> </a:t>
+            </a:r>
+            <a:r>
+              <a:rPr lang="en-US" dirty="0" err="1" smtClean="0"/>
+              <a:t>tử</a:t>
+            </a:r>
+            <a:r>
+              <a:rPr lang="en-US" dirty="0" smtClean="0"/>
+              <a:t> </a:t>
+            </a:r>
+            <a:r>
+              <a:rPr lang="en-US" dirty="0" err="1" smtClean="0"/>
+              <a:t>tại</a:t>
+            </a:r>
+            <a:r>
+              <a:rPr lang="en-US" dirty="0" smtClean="0"/>
+              <a:t> </a:t>
+            </a:r>
+            <a:r>
+              <a:rPr lang="en-US" dirty="0" err="1" smtClean="0"/>
+              <a:t>tất</a:t>
+            </a:r>
+            <a:r>
+              <a:rPr lang="en-US" dirty="0" smtClean="0"/>
+              <a:t> </a:t>
+            </a:r>
+            <a:r>
+              <a:rPr lang="en-US" dirty="0" err="1" smtClean="0"/>
+              <a:t>cả</a:t>
+            </a:r>
+            <a:r>
+              <a:rPr lang="en-US" dirty="0" smtClean="0"/>
+              <a:t> </a:t>
+            </a:r>
+            <a:r>
+              <a:rPr lang="en-US" dirty="0" err="1" smtClean="0"/>
+              <a:t>thời</a:t>
+            </a:r>
+            <a:r>
+              <a:rPr lang="en-US" dirty="0" smtClean="0"/>
+              <a:t> </a:t>
+            </a:r>
+            <a:r>
+              <a:rPr lang="en-US" dirty="0" err="1" smtClean="0"/>
+              <a:t>điểm</a:t>
+            </a:r>
+            <a:r>
+              <a:rPr lang="en-US" dirty="0" smtClean="0"/>
+              <a:t> </a:t>
+            </a:r>
+            <a:r>
+              <a:rPr lang="en-US" dirty="0" err="1" smtClean="0"/>
+              <a:t>đều</a:t>
+            </a:r>
+            <a:r>
+              <a:rPr lang="en-US" dirty="0" smtClean="0"/>
+              <a:t> </a:t>
+            </a:r>
+            <a:r>
+              <a:rPr lang="en-US" dirty="0" err="1" smtClean="0"/>
+              <a:t>tham</a:t>
+            </a:r>
+            <a:r>
+              <a:rPr lang="en-US" dirty="0" smtClean="0"/>
+              <a:t> </a:t>
+            </a:r>
+            <a:r>
+              <a:rPr lang="en-US" dirty="0" err="1" smtClean="0"/>
+              <a:t>gia</a:t>
+            </a:r>
+            <a:endParaRPr lang="en-US" dirty="0" smtClean="0"/>
+          </a:p>
+          <a:p>
+            <a:pPr lvl="1"/>
+            <a:r>
+              <a:rPr lang="en-US" dirty="0" err="1" smtClean="0"/>
+              <a:t>Nhiệm</a:t>
+            </a:r>
+            <a:r>
+              <a:rPr lang="en-US" dirty="0" smtClean="0"/>
+              <a:t> </a:t>
+            </a:r>
+            <a:r>
+              <a:rPr lang="en-US" dirty="0" err="1" smtClean="0"/>
+              <a:t>vụ</a:t>
+            </a:r>
+            <a:r>
+              <a:rPr lang="en-US" dirty="0" smtClean="0"/>
+              <a:t>:</a:t>
+            </a:r>
+          </a:p>
+          <a:p>
+            <a:pPr lvl="2"/>
+            <a:r>
+              <a:rPr lang="en-US" dirty="0" err="1" smtClean="0"/>
+              <a:t>Quan</a:t>
+            </a:r>
+            <a:r>
+              <a:rPr lang="en-US" dirty="0" smtClean="0"/>
+              <a:t> </a:t>
+            </a:r>
+            <a:r>
+              <a:rPr lang="en-US" dirty="0" err="1" smtClean="0"/>
+              <a:t>sát</a:t>
+            </a:r>
+            <a:r>
+              <a:rPr lang="en-US" dirty="0" smtClean="0"/>
+              <a:t> </a:t>
+            </a:r>
+            <a:r>
+              <a:rPr lang="en-US" dirty="0" err="1" smtClean="0"/>
+              <a:t>lẫn</a:t>
+            </a:r>
+            <a:r>
+              <a:rPr lang="en-US" dirty="0" smtClean="0"/>
+              <a:t> </a:t>
+            </a:r>
+            <a:r>
+              <a:rPr lang="en-US" dirty="0" err="1" smtClean="0"/>
+              <a:t>nhau</a:t>
+            </a:r>
+            <a:endParaRPr lang="en-US" dirty="0" smtClean="0"/>
+          </a:p>
+          <a:p>
+            <a:pPr lvl="2"/>
+            <a:r>
+              <a:rPr lang="en-US" dirty="0" err="1" smtClean="0"/>
+              <a:t>Cập</a:t>
+            </a:r>
+            <a:r>
+              <a:rPr lang="en-US" dirty="0" smtClean="0"/>
+              <a:t> </a:t>
+            </a:r>
+            <a:r>
+              <a:rPr lang="en-US" dirty="0" err="1" smtClean="0"/>
+              <a:t>nhật</a:t>
+            </a:r>
+            <a:r>
+              <a:rPr lang="en-US" dirty="0" smtClean="0"/>
+              <a:t> vector </a:t>
+            </a:r>
+            <a:r>
+              <a:rPr lang="en-US" dirty="0" err="1" smtClean="0"/>
+              <a:t>trạng</a:t>
+            </a:r>
+            <a:r>
+              <a:rPr lang="en-US" dirty="0" smtClean="0"/>
+              <a:t> </a:t>
+            </a:r>
+            <a:r>
+              <a:rPr lang="en-US" dirty="0" err="1" smtClean="0"/>
+              <a:t>thái</a:t>
+            </a:r>
+            <a:endParaRPr lang="en-US" dirty="0" smtClean="0"/>
+          </a:p>
+          <a:p>
+            <a:r>
+              <a:rPr lang="en-US" dirty="0" smtClean="0"/>
+              <a:t>Decoder:</a:t>
+            </a:r>
+          </a:p>
+          <a:p>
+            <a:pPr lvl="1"/>
+            <a:r>
+              <a:rPr lang="en-US" dirty="0" smtClean="0"/>
+              <a:t>Token </a:t>
+            </a:r>
+            <a:r>
+              <a:rPr lang="en-US" dirty="0" err="1" smtClean="0"/>
+              <a:t>tại</a:t>
+            </a:r>
+            <a:r>
+              <a:rPr lang="en-US" dirty="0" smtClean="0"/>
+              <a:t> </a:t>
+            </a:r>
+            <a:r>
+              <a:rPr lang="en-US" dirty="0" err="1" smtClean="0"/>
+              <a:t>thời</a:t>
+            </a:r>
+            <a:r>
+              <a:rPr lang="en-US" dirty="0" smtClean="0"/>
+              <a:t> </a:t>
+            </a:r>
+            <a:r>
+              <a:rPr lang="en-US" dirty="0" err="1" smtClean="0"/>
+              <a:t>điểm</a:t>
+            </a:r>
+            <a:r>
+              <a:rPr lang="en-US" dirty="0" smtClean="0"/>
+              <a:t> </a:t>
+            </a:r>
+            <a:r>
+              <a:rPr lang="en-US" dirty="0" err="1" smtClean="0"/>
+              <a:t>hiện</a:t>
+            </a:r>
+            <a:r>
+              <a:rPr lang="en-US" dirty="0" smtClean="0"/>
+              <a:t> </a:t>
+            </a:r>
+            <a:r>
+              <a:rPr lang="en-US" dirty="0" err="1" smtClean="0"/>
+              <a:t>tại</a:t>
+            </a:r>
+            <a:endParaRPr lang="en-US" dirty="0" smtClean="0"/>
+          </a:p>
+          <a:p>
+            <a:pPr lvl="1"/>
+            <a:r>
+              <a:rPr lang="en-US" dirty="0" err="1" smtClean="0"/>
+              <a:t>Nhiệm</a:t>
+            </a:r>
+            <a:r>
+              <a:rPr lang="en-US" dirty="0" smtClean="0"/>
+              <a:t> </a:t>
+            </a:r>
+            <a:r>
+              <a:rPr lang="en-US" dirty="0" err="1" smtClean="0"/>
+              <a:t>vụ</a:t>
+            </a:r>
+            <a:r>
+              <a:rPr lang="en-US" dirty="0" smtClean="0"/>
+              <a:t>:</a:t>
+            </a:r>
+          </a:p>
+          <a:p>
+            <a:pPr lvl="2"/>
+            <a:r>
+              <a:rPr lang="en-US" dirty="0" err="1" smtClean="0"/>
+              <a:t>Nhìn</a:t>
+            </a:r>
+            <a:r>
+              <a:rPr lang="en-US" dirty="0" smtClean="0"/>
+              <a:t> </a:t>
+            </a:r>
+            <a:r>
+              <a:rPr lang="en-US" dirty="0" err="1" smtClean="0"/>
+              <a:t>lại</a:t>
+            </a:r>
+            <a:r>
+              <a:rPr lang="en-US" dirty="0" smtClean="0"/>
+              <a:t> </a:t>
+            </a:r>
+            <a:r>
+              <a:rPr lang="en-US" dirty="0" err="1" smtClean="0"/>
+              <a:t>những</a:t>
+            </a:r>
+            <a:r>
+              <a:rPr lang="en-US" dirty="0" smtClean="0"/>
+              <a:t> token </a:t>
+            </a:r>
+            <a:r>
+              <a:rPr lang="en-US" dirty="0" err="1" smtClean="0"/>
+              <a:t>đã</a:t>
+            </a:r>
+            <a:r>
+              <a:rPr lang="en-US" dirty="0" smtClean="0"/>
+              <a:t> </a:t>
+            </a:r>
+            <a:r>
+              <a:rPr lang="en-US" dirty="0" err="1" smtClean="0"/>
+              <a:t>được</a:t>
+            </a:r>
+            <a:r>
+              <a:rPr lang="en-US" dirty="0" smtClean="0"/>
+              <a:t> </a:t>
+            </a:r>
+            <a:r>
+              <a:rPr lang="en-US" dirty="0" err="1" smtClean="0"/>
+              <a:t>dự</a:t>
+            </a:r>
+            <a:r>
+              <a:rPr lang="en-US" dirty="0" smtClean="0"/>
+              <a:t> </a:t>
+            </a:r>
+            <a:r>
+              <a:rPr lang="en-US" dirty="0" err="1" smtClean="0"/>
+              <a:t>đoán</a:t>
+            </a:r>
+            <a:endParaRPr lang="en-US" dirty="0" smtClean="0"/>
+          </a:p>
+          <a:p>
+            <a:pPr lvl="2"/>
+            <a:r>
+              <a:rPr lang="en-US" dirty="0" err="1" smtClean="0"/>
+              <a:t>Nhìn</a:t>
+            </a:r>
+            <a:r>
+              <a:rPr lang="en-US" dirty="0" smtClean="0"/>
+              <a:t> </a:t>
+            </a:r>
+            <a:r>
+              <a:rPr lang="en-US" dirty="0" err="1" smtClean="0"/>
+              <a:t>vào</a:t>
+            </a:r>
+            <a:r>
+              <a:rPr lang="en-US" dirty="0" smtClean="0"/>
+              <a:t> vector </a:t>
+            </a:r>
+            <a:r>
+              <a:rPr lang="en-US" dirty="0" err="1" smtClean="0"/>
+              <a:t>trạng</a:t>
+            </a:r>
+            <a:r>
+              <a:rPr lang="en-US" dirty="0" smtClean="0"/>
+              <a:t> </a:t>
+            </a:r>
+            <a:r>
+              <a:rPr lang="en-US" dirty="0" err="1" smtClean="0"/>
+              <a:t>thái</a:t>
+            </a:r>
+            <a:endParaRPr lang="en-US" dirty="0" smtClean="0"/>
+          </a:p>
+          <a:p>
+            <a:pPr lvl="2"/>
+            <a:r>
+              <a:rPr lang="en-US" dirty="0" err="1" smtClean="0"/>
+              <a:t>Cập</a:t>
+            </a:r>
+            <a:r>
+              <a:rPr lang="en-US" dirty="0" smtClean="0"/>
+              <a:t> </a:t>
+            </a:r>
+            <a:r>
+              <a:rPr lang="en-US" dirty="0" err="1" smtClean="0"/>
+              <a:t>nhật</a:t>
+            </a:r>
+            <a:r>
+              <a:rPr lang="en-US" dirty="0" smtClean="0"/>
+              <a:t> vector </a:t>
+            </a:r>
+            <a:r>
+              <a:rPr lang="en-US" dirty="0" err="1" smtClean="0"/>
+              <a:t>trạng</a:t>
+            </a:r>
+            <a:r>
+              <a:rPr lang="en-US" dirty="0" smtClean="0"/>
+              <a:t> </a:t>
+            </a:r>
+            <a:r>
+              <a:rPr lang="en-US" dirty="0" err="1" smtClean="0"/>
+              <a:t>thái</a:t>
+            </a:r>
+            <a:endParaRPr lang="en-US" dirty="0" smtClean="0"/>
+          </a:p>
+          <a:p>
+            <a:pPr lvl="2"/>
+            <a:endParaRPr lang="en-US" dirty="0"/>
+          </a:p>
+          <a:p>
+            <a:r>
+              <a:rPr lang="en-US" dirty="0" err="1" smtClean="0"/>
+              <a:t>Tại</a:t>
+            </a:r>
+            <a:r>
+              <a:rPr lang="en-US" dirty="0" smtClean="0"/>
+              <a:t> </a:t>
+            </a:r>
+            <a:r>
+              <a:rPr lang="en-US" dirty="0" err="1" smtClean="0"/>
+              <a:t>sao</a:t>
+            </a:r>
+            <a:r>
+              <a:rPr lang="en-US" dirty="0" smtClean="0"/>
+              <a:t> </a:t>
+            </a:r>
+            <a:r>
+              <a:rPr lang="en-US" dirty="0" err="1" smtClean="0"/>
+              <a:t>cấu</a:t>
+            </a:r>
+            <a:r>
+              <a:rPr lang="en-US" dirty="0" smtClean="0"/>
+              <a:t> </a:t>
+            </a:r>
+            <a:r>
+              <a:rPr lang="en-US" dirty="0" err="1" smtClean="0"/>
+              <a:t>trúc</a:t>
+            </a:r>
+            <a:r>
+              <a:rPr lang="en-US" dirty="0" smtClean="0"/>
+              <a:t> </a:t>
+            </a:r>
+            <a:r>
+              <a:rPr lang="en-US" dirty="0" err="1" smtClean="0"/>
+              <a:t>này</a:t>
+            </a:r>
+            <a:r>
+              <a:rPr lang="en-US" dirty="0" smtClean="0"/>
+              <a:t> </a:t>
+            </a:r>
+            <a:r>
+              <a:rPr lang="en-US" dirty="0" err="1" smtClean="0"/>
+              <a:t>hoạt</a:t>
+            </a:r>
+            <a:r>
+              <a:rPr lang="en-US" dirty="0" smtClean="0"/>
+              <a:t> </a:t>
+            </a:r>
+            <a:r>
+              <a:rPr lang="en-US" dirty="0" err="1" smtClean="0"/>
+              <a:t>động</a:t>
+            </a:r>
+            <a:r>
+              <a:rPr lang="en-US" dirty="0" smtClean="0"/>
+              <a:t> </a:t>
+            </a:r>
+            <a:r>
+              <a:rPr lang="en-US" dirty="0" err="1" smtClean="0"/>
+              <a:t>hiệu</a:t>
+            </a:r>
+            <a:r>
+              <a:rPr lang="en-US" dirty="0" smtClean="0"/>
+              <a:t> </a:t>
+            </a:r>
+            <a:r>
+              <a:rPr lang="en-US" dirty="0" err="1" smtClean="0"/>
+              <a:t>quả</a:t>
+            </a:r>
+            <a:r>
+              <a:rPr lang="en-US" dirty="0" smtClean="0"/>
+              <a:t>:</a:t>
+            </a:r>
+          </a:p>
+          <a:p>
+            <a:pPr lvl="1"/>
+            <a:r>
+              <a:rPr lang="en-US" dirty="0" smtClean="0"/>
+              <a:t>Token </a:t>
+            </a:r>
+            <a:r>
+              <a:rPr lang="en-US" dirty="0" err="1" smtClean="0"/>
+              <a:t>tại</a:t>
+            </a:r>
+            <a:r>
+              <a:rPr lang="en-US" dirty="0" smtClean="0"/>
+              <a:t> </a:t>
+            </a:r>
+            <a:r>
+              <a:rPr lang="en-US" dirty="0" err="1" smtClean="0"/>
+              <a:t>tất</a:t>
+            </a:r>
+            <a:r>
+              <a:rPr lang="en-US" dirty="0" smtClean="0"/>
+              <a:t> </a:t>
+            </a:r>
+            <a:r>
+              <a:rPr lang="en-US" dirty="0" err="1" smtClean="0"/>
+              <a:t>cả</a:t>
+            </a:r>
+            <a:r>
+              <a:rPr lang="en-US" dirty="0" smtClean="0"/>
+              <a:t> </a:t>
+            </a:r>
+            <a:r>
+              <a:rPr lang="en-US" dirty="0" err="1" smtClean="0"/>
+              <a:t>các</a:t>
+            </a:r>
+            <a:r>
+              <a:rPr lang="en-US" dirty="0" smtClean="0"/>
+              <a:t> </a:t>
+            </a:r>
+            <a:r>
+              <a:rPr lang="en-US" dirty="0" err="1" smtClean="0"/>
+              <a:t>thời</a:t>
+            </a:r>
+            <a:r>
+              <a:rPr lang="en-US" dirty="0" smtClean="0"/>
+              <a:t> </a:t>
+            </a:r>
+            <a:r>
+              <a:rPr lang="en-US" dirty="0" err="1" smtClean="0"/>
+              <a:t>điểm</a:t>
+            </a:r>
+            <a:r>
+              <a:rPr lang="en-US" dirty="0" smtClean="0"/>
+              <a:t> </a:t>
+            </a:r>
+            <a:r>
+              <a:rPr lang="en-US" dirty="0" err="1" smtClean="0"/>
+              <a:t>của</a:t>
+            </a:r>
+            <a:r>
+              <a:rPr lang="en-US" dirty="0" smtClean="0"/>
+              <a:t> </a:t>
+            </a:r>
+            <a:r>
+              <a:rPr lang="en-US" dirty="0" err="1" smtClean="0"/>
+              <a:t>chuỗi</a:t>
+            </a:r>
+            <a:r>
+              <a:rPr lang="en-US" dirty="0" smtClean="0"/>
+              <a:t> </a:t>
+            </a:r>
+            <a:r>
+              <a:rPr lang="en-US" dirty="0" err="1" smtClean="0"/>
+              <a:t>đầu</a:t>
+            </a:r>
+            <a:r>
+              <a:rPr lang="en-US" dirty="0" smtClean="0"/>
+              <a:t> </a:t>
+            </a:r>
+            <a:r>
+              <a:rPr lang="en-US" dirty="0" err="1" smtClean="0"/>
+              <a:t>vào</a:t>
+            </a:r>
+            <a:r>
+              <a:rPr lang="en-US" dirty="0" smtClean="0"/>
+              <a:t> </a:t>
+            </a:r>
+            <a:r>
+              <a:rPr lang="en-US" dirty="0" err="1" smtClean="0"/>
+              <a:t>được</a:t>
+            </a:r>
+            <a:r>
+              <a:rPr lang="en-US" dirty="0" smtClean="0"/>
+              <a:t> ‘</a:t>
+            </a:r>
+            <a:r>
+              <a:rPr lang="en-US" dirty="0" err="1" smtClean="0"/>
+              <a:t>nhìn</a:t>
+            </a:r>
+            <a:r>
+              <a:rPr lang="en-US" dirty="0" smtClean="0"/>
+              <a:t>’ </a:t>
+            </a:r>
+            <a:r>
+              <a:rPr lang="en-US" dirty="0" err="1" smtClean="0"/>
+              <a:t>cùng</a:t>
+            </a:r>
+            <a:r>
+              <a:rPr lang="en-US" dirty="0" smtClean="0"/>
+              <a:t> </a:t>
+            </a:r>
+            <a:r>
+              <a:rPr lang="en-US" dirty="0" err="1" smtClean="0"/>
+              <a:t>lúc</a:t>
+            </a:r>
+            <a:endParaRPr lang="en-US" dirty="0" smtClean="0"/>
+          </a:p>
+          <a:p>
+            <a:pPr lvl="1"/>
+            <a:r>
+              <a:rPr lang="en-US" dirty="0" smtClean="0"/>
+              <a:t>Token </a:t>
+            </a:r>
+            <a:r>
+              <a:rPr lang="en-US" dirty="0" err="1" smtClean="0"/>
+              <a:t>tại</a:t>
+            </a:r>
+            <a:r>
+              <a:rPr lang="en-US" dirty="0" smtClean="0"/>
+              <a:t> </a:t>
+            </a:r>
+            <a:r>
+              <a:rPr lang="en-US" dirty="0" err="1" smtClean="0"/>
+              <a:t>tất</a:t>
+            </a:r>
+            <a:r>
+              <a:rPr lang="en-US" dirty="0" smtClean="0"/>
+              <a:t> </a:t>
+            </a:r>
+            <a:r>
+              <a:rPr lang="en-US" dirty="0" err="1" smtClean="0"/>
+              <a:t>cả</a:t>
+            </a:r>
+            <a:r>
+              <a:rPr lang="en-US" dirty="0" smtClean="0"/>
+              <a:t> </a:t>
+            </a:r>
+            <a:r>
+              <a:rPr lang="en-US" dirty="0" err="1" smtClean="0"/>
+              <a:t>các</a:t>
+            </a:r>
+            <a:r>
+              <a:rPr lang="en-US" dirty="0" smtClean="0"/>
+              <a:t> </a:t>
+            </a:r>
+            <a:r>
+              <a:rPr lang="en-US" dirty="0" err="1" smtClean="0"/>
+              <a:t>thời</a:t>
+            </a:r>
+            <a:r>
+              <a:rPr lang="en-US" dirty="0" smtClean="0"/>
+              <a:t> </a:t>
+            </a:r>
+            <a:r>
+              <a:rPr lang="en-US" dirty="0" err="1" smtClean="0"/>
+              <a:t>điểm</a:t>
+            </a:r>
+            <a:r>
+              <a:rPr lang="en-US" dirty="0" smtClean="0"/>
+              <a:t> </a:t>
+            </a:r>
+            <a:r>
+              <a:rPr lang="en-US" dirty="0" err="1" smtClean="0"/>
+              <a:t>của</a:t>
+            </a:r>
+            <a:r>
+              <a:rPr lang="en-US" dirty="0" smtClean="0"/>
+              <a:t> </a:t>
+            </a:r>
+            <a:r>
+              <a:rPr lang="en-US" dirty="0" err="1" smtClean="0"/>
+              <a:t>chuỗi</a:t>
+            </a:r>
+            <a:r>
+              <a:rPr lang="en-US" dirty="0" smtClean="0"/>
+              <a:t> </a:t>
+            </a:r>
+            <a:r>
+              <a:rPr lang="en-US" dirty="0" err="1" smtClean="0"/>
+              <a:t>đầu</a:t>
+            </a:r>
+            <a:r>
+              <a:rPr lang="en-US" dirty="0" smtClean="0"/>
+              <a:t> </a:t>
+            </a:r>
+            <a:r>
+              <a:rPr lang="en-US" dirty="0" err="1" smtClean="0"/>
+              <a:t>vào</a:t>
+            </a:r>
+            <a:r>
+              <a:rPr lang="en-US" dirty="0" smtClean="0"/>
+              <a:t> </a:t>
+            </a:r>
+            <a:r>
+              <a:rPr lang="en-US" dirty="0" err="1" smtClean="0"/>
+              <a:t>đều</a:t>
+            </a:r>
+            <a:r>
+              <a:rPr lang="en-US" dirty="0" smtClean="0"/>
+              <a:t> </a:t>
+            </a:r>
+            <a:r>
+              <a:rPr lang="en-US" dirty="0" err="1" smtClean="0"/>
+              <a:t>ảnh</a:t>
+            </a:r>
+            <a:r>
+              <a:rPr lang="en-US" dirty="0" smtClean="0"/>
+              <a:t> </a:t>
+            </a:r>
+            <a:r>
+              <a:rPr lang="en-US" dirty="0" err="1" smtClean="0"/>
+              <a:t>hưởng</a:t>
+            </a:r>
+            <a:r>
+              <a:rPr lang="en-US" dirty="0" smtClean="0"/>
+              <a:t> </a:t>
+            </a:r>
+            <a:r>
+              <a:rPr lang="en-US" dirty="0" err="1" smtClean="0"/>
+              <a:t>lẫn</a:t>
+            </a:r>
+            <a:r>
+              <a:rPr lang="en-US" dirty="0" smtClean="0"/>
+              <a:t> </a:t>
+            </a:r>
+            <a:r>
+              <a:rPr lang="en-US" dirty="0" err="1" smtClean="0"/>
+              <a:t>nhau</a:t>
+            </a:r>
+            <a:r>
+              <a:rPr lang="en-US" dirty="0" smtClean="0"/>
+              <a:t> (self attention)</a:t>
+            </a:r>
+          </a:p>
+          <a:p>
+            <a:pPr lvl="1"/>
+            <a:r>
+              <a:rPr lang="en-US" dirty="0" smtClean="0"/>
+              <a:t>Token </a:t>
+            </a:r>
+            <a:r>
+              <a:rPr lang="en-US" dirty="0" err="1" smtClean="0"/>
+              <a:t>đã</a:t>
+            </a:r>
+            <a:r>
+              <a:rPr lang="en-US" dirty="0" smtClean="0"/>
+              <a:t> </a:t>
+            </a:r>
+            <a:r>
+              <a:rPr lang="en-US" dirty="0" err="1" smtClean="0"/>
+              <a:t>được</a:t>
+            </a:r>
+            <a:r>
+              <a:rPr lang="en-US" dirty="0" smtClean="0"/>
+              <a:t> </a:t>
+            </a:r>
+            <a:r>
+              <a:rPr lang="en-US" dirty="0" err="1" smtClean="0"/>
+              <a:t>dự</a:t>
+            </a:r>
+            <a:r>
+              <a:rPr lang="en-US" dirty="0" smtClean="0"/>
+              <a:t> </a:t>
+            </a:r>
+            <a:r>
+              <a:rPr lang="en-US" dirty="0" err="1" smtClean="0"/>
+              <a:t>đoán</a:t>
+            </a:r>
+            <a:r>
+              <a:rPr lang="en-US" dirty="0" smtClean="0"/>
+              <a:t> </a:t>
+            </a:r>
+            <a:r>
+              <a:rPr lang="en-US" dirty="0" err="1" smtClean="0"/>
+              <a:t>tại</a:t>
+            </a:r>
+            <a:r>
+              <a:rPr lang="en-US" dirty="0" smtClean="0"/>
+              <a:t> </a:t>
+            </a:r>
+            <a:r>
+              <a:rPr lang="en-US" dirty="0" err="1" smtClean="0"/>
+              <a:t>chuỗi</a:t>
+            </a:r>
+            <a:r>
+              <a:rPr lang="en-US" dirty="0" smtClean="0"/>
+              <a:t> </a:t>
+            </a:r>
+            <a:r>
+              <a:rPr lang="en-US" dirty="0" err="1" smtClean="0"/>
+              <a:t>đầu</a:t>
+            </a:r>
+            <a:r>
+              <a:rPr lang="en-US" dirty="0" smtClean="0"/>
+              <a:t> </a:t>
+            </a:r>
+            <a:r>
+              <a:rPr lang="en-US" dirty="0" err="1" smtClean="0"/>
+              <a:t>ra</a:t>
+            </a:r>
+            <a:r>
+              <a:rPr lang="en-US" dirty="0" smtClean="0"/>
+              <a:t> </a:t>
+            </a:r>
+            <a:r>
+              <a:rPr lang="en-US" dirty="0" err="1" smtClean="0"/>
+              <a:t>đều</a:t>
+            </a:r>
+            <a:r>
+              <a:rPr lang="en-US" dirty="0" smtClean="0"/>
+              <a:t> </a:t>
+            </a:r>
+            <a:r>
+              <a:rPr lang="en-US" dirty="0" err="1" smtClean="0"/>
+              <a:t>ảnh</a:t>
+            </a:r>
+            <a:r>
+              <a:rPr lang="en-US" dirty="0" smtClean="0"/>
+              <a:t> </a:t>
+            </a:r>
+            <a:r>
+              <a:rPr lang="en-US" dirty="0" err="1" smtClean="0"/>
+              <a:t>hưởng</a:t>
+            </a:r>
+            <a:r>
+              <a:rPr lang="en-US" dirty="0" smtClean="0"/>
+              <a:t> </a:t>
+            </a:r>
+            <a:r>
+              <a:rPr lang="en-US" dirty="0" err="1" smtClean="0"/>
+              <a:t>lên</a:t>
+            </a:r>
+            <a:r>
+              <a:rPr lang="en-US" dirty="0" smtClean="0"/>
+              <a:t> </a:t>
+            </a:r>
+            <a:r>
+              <a:rPr lang="en-US" dirty="0" err="1" smtClean="0"/>
+              <a:t>nhau</a:t>
+            </a:r>
+            <a:r>
+              <a:rPr lang="en-US" dirty="0" smtClean="0"/>
+              <a:t>, </a:t>
+            </a:r>
+            <a:r>
+              <a:rPr lang="en-US" dirty="0" err="1" smtClean="0"/>
+              <a:t>và</a:t>
+            </a:r>
+            <a:r>
+              <a:rPr lang="en-US" dirty="0" smtClean="0"/>
+              <a:t> </a:t>
+            </a:r>
+            <a:r>
+              <a:rPr lang="en-US" dirty="0" err="1" smtClean="0"/>
+              <a:t>thông</a:t>
+            </a:r>
+            <a:r>
+              <a:rPr lang="en-US" dirty="0" smtClean="0"/>
+              <a:t> tin </a:t>
+            </a:r>
+            <a:r>
+              <a:rPr lang="en-US" dirty="0" err="1" smtClean="0"/>
+              <a:t>của</a:t>
+            </a:r>
+            <a:r>
+              <a:rPr lang="en-US" dirty="0" smtClean="0"/>
+              <a:t> </a:t>
+            </a:r>
+            <a:r>
+              <a:rPr lang="en-US" dirty="0" err="1" smtClean="0"/>
+              <a:t>chuỗi</a:t>
+            </a:r>
+            <a:r>
+              <a:rPr lang="en-US" dirty="0" smtClean="0"/>
+              <a:t> </a:t>
+            </a:r>
+            <a:r>
+              <a:rPr lang="en-US" dirty="0" err="1" smtClean="0"/>
+              <a:t>đầu</a:t>
+            </a:r>
+            <a:r>
+              <a:rPr lang="en-US" dirty="0" smtClean="0"/>
+              <a:t> </a:t>
+            </a:r>
+            <a:r>
+              <a:rPr lang="en-US" dirty="0" err="1" smtClean="0"/>
+              <a:t>vào</a:t>
+            </a:r>
+            <a:r>
+              <a:rPr lang="en-US" dirty="0" smtClean="0"/>
+              <a:t> </a:t>
+            </a:r>
+            <a:r>
+              <a:rPr lang="en-US" dirty="0" err="1" smtClean="0"/>
+              <a:t>cũng</a:t>
+            </a:r>
+            <a:r>
+              <a:rPr lang="en-US" dirty="0" smtClean="0"/>
+              <a:t> </a:t>
+            </a:r>
+            <a:r>
+              <a:rPr lang="en-US" dirty="0" err="1" smtClean="0"/>
+              <a:t>ảnh</a:t>
+            </a:r>
+            <a:r>
+              <a:rPr lang="en-US" dirty="0" smtClean="0"/>
+              <a:t> </a:t>
+            </a:r>
+            <a:r>
+              <a:rPr lang="en-US" dirty="0" err="1" smtClean="0"/>
+              <a:t>hưởng</a:t>
+            </a:r>
+            <a:r>
+              <a:rPr lang="en-US" dirty="0" smtClean="0"/>
+              <a:t> </a:t>
+            </a:r>
+            <a:r>
+              <a:rPr lang="en-US" dirty="0" err="1" smtClean="0"/>
+              <a:t>lên</a:t>
+            </a:r>
+            <a:r>
+              <a:rPr lang="en-US" dirty="0" smtClean="0"/>
+              <a:t> </a:t>
+            </a:r>
+            <a:r>
+              <a:rPr lang="en-US" dirty="0" err="1" smtClean="0"/>
+              <a:t>dự</a:t>
+            </a:r>
+            <a:r>
+              <a:rPr lang="en-US" dirty="0" smtClean="0"/>
+              <a:t> </a:t>
+            </a:r>
+            <a:r>
+              <a:rPr lang="en-US" dirty="0" err="1" smtClean="0"/>
+              <a:t>đoán</a:t>
+            </a:r>
+            <a:endParaRPr lang="en-US" dirty="0" smtClean="0"/>
+          </a:p>
+          <a:p>
+            <a:pPr lvl="1"/>
+            <a:endParaRPr lang="en-US" dirty="0"/>
+          </a:p>
+        </p:txBody>
+      </p:sp>
     </p:spTree>
     <p:extLst>
       <p:ext uri="{BB962C8B-B14F-4D97-AF65-F5344CB8AC3E}">
-        <p14:creationId xmlns:p14="http://schemas.microsoft.com/office/powerpoint/2010/main" val="116024628"/>
+        <p14:creationId xmlns:p14="http://schemas.microsoft.com/office/powerpoint/2010/main" val="2562635202"/>
       </p:ext>
     </p:extLst>
   </p:cSld>
   <p:clrMapOvr>
     <a:masterClrMapping/>
   </p:clrMapOvr>
+  <p:timing>
+    <p:tnLst>
+      <p:par>
+        <p:cTn id="1" dur="indefinite" restart="never" nodeType="tmRoot"/>
+      </p:par>
+    </p:tnLst>
+  </p:timing>
 </p:sld>
 </file>
 
@@ -3796,7 +4955,7 @@
       </p:grpSpPr>
       <p:sp>
         <p:nvSpPr>
-          <p:cNvPr id="2" name="Title 1"/>
+          <p:cNvPr id="4" name="Title 3"/>
           <p:cNvSpPr>
             <a:spLocks noGrp="1"/>
           </p:cNvSpPr>
@@ -3810,108 +4969,74 @@
           <a:lstStyle/>
           <a:p>
             <a:r>
-              <a:rPr lang="fr-FR" dirty="0" err="1" smtClean="0"/>
-              <a:t>Convexity</a:t>
+              <a:rPr lang="en-US" dirty="0" err="1" smtClean="0"/>
+              <a:t>Khác</a:t>
+            </a:r>
+            <a:r>
+              <a:rPr lang="en-US" dirty="0" smtClean="0"/>
+              <a:t> </a:t>
+            </a:r>
+            <a:r>
+              <a:rPr lang="en-US" dirty="0" err="1" smtClean="0"/>
+              <a:t>biệt</a:t>
+            </a:r>
+            <a:r>
+              <a:rPr lang="en-US" dirty="0" smtClean="0"/>
+              <a:t> </a:t>
+            </a:r>
+            <a:r>
+              <a:rPr lang="en-US" dirty="0" err="1" smtClean="0"/>
+              <a:t>giữa</a:t>
+            </a:r>
+            <a:r>
+              <a:rPr lang="en-US" dirty="0" smtClean="0"/>
+              <a:t> transformer </a:t>
+            </a:r>
+            <a:r>
+              <a:rPr lang="en-US" dirty="0" err="1" smtClean="0"/>
+              <a:t>và</a:t>
+            </a:r>
+            <a:r>
+              <a:rPr lang="en-US" dirty="0" smtClean="0"/>
+              <a:t> seq2seq</a:t>
             </a:r>
             <a:endParaRPr lang="en-US" dirty="0"/>
-          </a:p>
-        </p:txBody>
-      </p:sp>
-      <p:sp>
-        <p:nvSpPr>
-          <p:cNvPr id="3" name="Content Placeholder 2"/>
-          <p:cNvSpPr>
-            <a:spLocks noGrp="1"/>
-          </p:cNvSpPr>
-          <p:nvPr>
-            <p:ph idx="1"/>
-          </p:nvPr>
-        </p:nvSpPr>
-        <p:spPr/>
-        <p:txBody>
-          <a:bodyPr/>
-          <a:lstStyle/>
-          <a:p>
-            <a:endParaRPr lang="en-US"/>
           </a:p>
         </p:txBody>
       </p:sp>
       <p:pic>
         <p:nvPicPr>
-          <p:cNvPr id="4" name="Picture 3"/>
+          <p:cNvPr id="6" name="Content Placeholder 5"/>
           <p:cNvPicPr>
-            <a:picLocks noChangeAspect="1"/>
+            <a:picLocks noGrp="1" noChangeAspect="1"/>
           </p:cNvPicPr>
-          <p:nvPr/>
+          <p:nvPr>
+            <p:ph idx="1"/>
+          </p:nvPr>
         </p:nvPicPr>
         <p:blipFill>
-          <a:blip r:embed="rId3"/>
+          <a:blip r:embed="rId2">
+            <a:extLst>
+              <a:ext uri="{28A0092B-C50C-407E-A947-70E740481C1C}">
+                <a14:useLocalDpi xmlns:a14="http://schemas.microsoft.com/office/drawing/2010/main" val="0"/>
+              </a:ext>
+            </a:extLst>
+          </a:blip>
           <a:stretch>
             <a:fillRect/>
           </a:stretch>
         </p:blipFill>
         <p:spPr>
           <a:xfrm>
-            <a:off x="2898479" y="1690688"/>
-            <a:ext cx="6395041" cy="1670347"/>
+            <a:off x="838200" y="2198277"/>
+            <a:ext cx="10515600" cy="3606034"/>
           </a:xfrm>
-          <a:prstGeom prst="rect">
-            <a:avLst/>
-          </a:prstGeom>
-        </p:spPr>
-      </p:pic>
-      <p:pic>
-        <p:nvPicPr>
-          <p:cNvPr id="5" name="Picture 4"/>
-          <p:cNvPicPr>
-            <a:picLocks noChangeAspect="1"/>
-          </p:cNvPicPr>
-          <p:nvPr/>
-        </p:nvPicPr>
-        <p:blipFill>
-          <a:blip r:embed="rId4"/>
-          <a:stretch>
-            <a:fillRect/>
-          </a:stretch>
-        </p:blipFill>
-        <p:spPr>
-          <a:xfrm>
-            <a:off x="2153313" y="3361035"/>
-            <a:ext cx="7885371" cy="1717997"/>
-          </a:xfrm>
-          <a:prstGeom prst="rect">
-            <a:avLst/>
-          </a:prstGeom>
-        </p:spPr>
-      </p:pic>
-      <p:pic>
-        <p:nvPicPr>
-          <p:cNvPr id="6" name="Picture 5"/>
-          <p:cNvPicPr>
-            <a:picLocks noChangeAspect="1"/>
-          </p:cNvPicPr>
-          <p:nvPr/>
-        </p:nvPicPr>
-        <p:blipFill>
-          <a:blip r:embed="rId5"/>
-          <a:stretch>
-            <a:fillRect/>
-          </a:stretch>
-        </p:blipFill>
-        <p:spPr>
-          <a:xfrm>
-            <a:off x="4224561" y="5162289"/>
-            <a:ext cx="3951878" cy="1452153"/>
-          </a:xfrm>
-          <a:prstGeom prst="rect">
-            <a:avLst/>
-          </a:prstGeom>
         </p:spPr>
       </p:pic>
     </p:spTree>
     <p:extLst>
       <p:ext uri="{BB962C8B-B14F-4D97-AF65-F5344CB8AC3E}">
-        <p14:creationId xmlns:p14="http://schemas.microsoft.com/office/powerpoint/2010/main" val="1888164151"/>
+        <p14:creationId xmlns:p14="http://schemas.microsoft.com/office/powerpoint/2010/main" val="2711208347"/>
       </p:ext>
     </p:extLst>
   </p:cSld>
@@ -3940,12 +5065,12 @@
       </p:grpSpPr>
       <p:sp>
         <p:nvSpPr>
-          <p:cNvPr id="3" name="Content Placeholder 2"/>
-          <p:cNvSpPr>
-            <a:spLocks noGrp="1"/>
-          </p:cNvSpPr>
-          <p:nvPr>
-            <p:ph idx="1"/>
+          <p:cNvPr id="2" name="Title 1"/>
+          <p:cNvSpPr>
+            <a:spLocks noGrp="1"/>
+          </p:cNvSpPr>
+          <p:nvPr>
+            <p:ph type="title"/>
           </p:nvPr>
         </p:nvSpPr>
         <p:spPr/>
@@ -3953,36 +5078,21 @@
           <a:bodyPr/>
           <a:lstStyle/>
           <a:p>
-            <a:endParaRPr lang="en-US"/>
-          </a:p>
-        </p:txBody>
-      </p:sp>
-      <p:sp>
-        <p:nvSpPr>
-          <p:cNvPr id="5" name="Title 4"/>
-          <p:cNvSpPr>
-            <a:spLocks noGrp="1"/>
-          </p:cNvSpPr>
-          <p:nvPr>
-            <p:ph type="title"/>
-          </p:nvPr>
-        </p:nvSpPr>
-        <p:spPr/>
-        <p:txBody>
-          <a:bodyPr/>
-          <a:lstStyle/>
-          <a:p>
-            <a:r>
-              <a:rPr lang="fr-FR" dirty="0" err="1" smtClean="0"/>
-              <a:t>Stochastic</a:t>
-            </a:r>
-            <a:r>
-              <a:rPr lang="fr-FR" dirty="0" smtClean="0"/>
-              <a:t> Gradient </a:t>
-            </a:r>
-            <a:r>
-              <a:rPr lang="fr-FR" dirty="0" err="1" smtClean="0"/>
-              <a:t>Descent</a:t>
+            <a:r>
+              <a:rPr lang="en-US" dirty="0" err="1" smtClean="0"/>
+              <a:t>Tự</a:t>
+            </a:r>
+            <a:r>
+              <a:rPr lang="en-US" dirty="0" smtClean="0"/>
+              <a:t> </a:t>
+            </a:r>
+            <a:r>
+              <a:rPr lang="en-US" dirty="0" err="1" smtClean="0"/>
+              <a:t>chú</a:t>
+            </a:r>
+            <a:r>
+              <a:rPr lang="en-US" dirty="0" smtClean="0"/>
+              <a:t> ý (self attention)</a:t>
             </a:r>
             <a:endParaRPr lang="en-US" dirty="0"/>
           </a:p>
@@ -3990,62 +5100,125 @@
       </p:sp>
       <p:pic>
         <p:nvPicPr>
-          <p:cNvPr id="6" name="Picture 5"/>
+          <p:cNvPr id="5" name="encoder_self_attention">
+            <a:hlinkClick r:id="" action="ppaction://media"/>
+          </p:cNvPr>
           <p:cNvPicPr>
-            <a:picLocks noChangeAspect="1"/>
+            <a:picLocks noGrp="1" noChangeAspect="1"/>
           </p:cNvPicPr>
-          <p:nvPr/>
+          <p:nvPr>
+            <p:ph idx="1"/>
+            <a:videoFile r:link="rId2"/>
+            <p:extLst>
+              <p:ext uri="{DAA4B4D4-6D71-4841-9C94-3DE7FCFB9230}">
+                <p14:media xmlns:p14="http://schemas.microsoft.com/office/powerpoint/2010/main" r:embed="rId1"/>
+              </p:ext>
+            </p:extLst>
+          </p:nvPr>
         </p:nvPicPr>
         <p:blipFill>
-          <a:blip r:embed="rId2"/>
+          <a:blip r:embed="rId5"/>
           <a:stretch>
             <a:fillRect/>
           </a:stretch>
         </p:blipFill>
         <p:spPr>
           <a:xfrm>
-            <a:off x="7524750" y="1825625"/>
-            <a:ext cx="3829050" cy="2790825"/>
+            <a:off x="2454275" y="1825625"/>
+            <a:ext cx="7283450" cy="4351338"/>
           </a:xfrm>
-          <a:prstGeom prst="rect">
-            <a:avLst/>
-          </a:prstGeom>
-        </p:spPr>
-      </p:pic>
-      <p:pic>
-        <p:nvPicPr>
-          <p:cNvPr id="7" name="Picture 6"/>
-          <p:cNvPicPr>
-            <a:picLocks noChangeAspect="1"/>
-          </p:cNvPicPr>
-          <p:nvPr/>
-        </p:nvPicPr>
-        <p:blipFill>
-          <a:blip r:embed="rId3"/>
-          <a:stretch>
-            <a:fillRect/>
-          </a:stretch>
-        </p:blipFill>
-        <p:spPr>
-          <a:xfrm>
-            <a:off x="1406024" y="1962113"/>
-            <a:ext cx="5550902" cy="4078361"/>
-          </a:xfrm>
-          <a:prstGeom prst="rect">
-            <a:avLst/>
-          </a:prstGeom>
         </p:spPr>
       </p:pic>
     </p:spTree>
     <p:extLst>
       <p:ext uri="{BB962C8B-B14F-4D97-AF65-F5344CB8AC3E}">
-        <p14:creationId xmlns:p14="http://schemas.microsoft.com/office/powerpoint/2010/main" val="3650863466"/>
+        <p14:creationId xmlns:p14="http://schemas.microsoft.com/office/powerpoint/2010/main" val="1912472886"/>
       </p:ext>
     </p:extLst>
   </p:cSld>
   <p:clrMapOvr>
     <a:masterClrMapping/>
   </p:clrMapOvr>
+  <p:timing>
+    <p:tnLst>
+      <p:par>
+        <p:cTn id="1" dur="indefinite" restart="never" nodeType="tmRoot">
+          <p:childTnLst>
+            <p:seq concurrent="1" nextAc="seek">
+              <p:cTn id="2" restart="whenNotActive" fill="hold" evtFilter="cancelBubble" nodeType="interactiveSeq">
+                <p:stCondLst>
+                  <p:cond evt="onClick" delay="0">
+                    <p:tgtEl>
+                      <p:spTgt spid="5"/>
+                    </p:tgtEl>
+                  </p:cond>
+                </p:stCondLst>
+                <p:endSync evt="end" delay="0">
+                  <p:rtn val="all"/>
+                </p:endSync>
+                <p:childTnLst>
+                  <p:par>
+                    <p:cTn id="3" fill="hold">
+                      <p:stCondLst>
+                        <p:cond delay="0"/>
+                      </p:stCondLst>
+                      <p:childTnLst>
+                        <p:par>
+                          <p:cTn id="4" fill="hold">
+                            <p:stCondLst>
+                              <p:cond delay="0"/>
+                            </p:stCondLst>
+                            <p:childTnLst>
+                              <p:par>
+                                <p:cTn id="5" presetID="2" presetClass="mediacall" presetSubtype="0" fill="hold" nodeType="clickEffect">
+                                  <p:stCondLst>
+                                    <p:cond delay="0"/>
+                                  </p:stCondLst>
+                                  <p:childTnLst>
+                                    <p:cmd type="call" cmd="togglePause">
+                                      <p:cBhvr>
+                                        <p:cTn id="6" dur="1" fill="hold"/>
+                                        <p:tgtEl>
+                                          <p:spTgt spid="5"/>
+                                        </p:tgtEl>
+                                      </p:cBhvr>
+                                    </p:cmd>
+                                  </p:childTnLst>
+                                </p:cTn>
+                              </p:par>
+                            </p:childTnLst>
+                          </p:cTn>
+                        </p:par>
+                      </p:childTnLst>
+                    </p:cTn>
+                  </p:par>
+                </p:childTnLst>
+              </p:cTn>
+              <p:nextCondLst>
+                <p:cond evt="onClick" delay="0">
+                  <p:tgtEl>
+                    <p:spTgt spid="5"/>
+                  </p:tgtEl>
+                </p:cond>
+              </p:nextCondLst>
+            </p:seq>
+            <p:video>
+              <p:cMediaNode vol="80000">
+                <p:cTn id="7" fill="hold" display="0">
+                  <p:stCondLst>
+                    <p:cond delay="indefinite"/>
+                  </p:stCondLst>
+                </p:cTn>
+                <p:tgtEl>
+                  <p:spTgt spid="5"/>
+                </p:tgtEl>
+              </p:cMediaNode>
+            </p:video>
+          </p:childTnLst>
+        </p:cTn>
+      </p:par>
+    </p:tnLst>
+  </p:timing>
 </p:sld>
 </file>
 
@@ -4082,46 +5255,58 @@
           <a:lstStyle/>
           <a:p>
             <a:r>
-              <a:rPr lang="fr-FR" dirty="0" err="1" smtClean="0"/>
-              <a:t>Minibatch</a:t>
-            </a:r>
-            <a:r>
-              <a:rPr lang="fr-FR" dirty="0" smtClean="0"/>
-              <a:t> SGD</a:t>
-            </a:r>
-            <a:endParaRPr lang="en-US" dirty="0"/>
-          </a:p>
-        </p:txBody>
-      </p:sp>
-      <p:sp>
-        <p:nvSpPr>
-          <p:cNvPr id="3" name="Content Placeholder 2"/>
-          <p:cNvSpPr>
-            <a:spLocks noGrp="1"/>
-          </p:cNvSpPr>
+              <a:rPr lang="en-US" dirty="0"/>
+              <a:t>Query, Key, and Value</a:t>
+            </a:r>
+          </a:p>
+        </p:txBody>
+      </p:sp>
+      <p:pic>
+        <p:nvPicPr>
+          <p:cNvPr id="4" name="Content Placeholder 3"/>
+          <p:cNvPicPr>
+            <a:picLocks noGrp="1" noChangeAspect="1"/>
+          </p:cNvPicPr>
           <p:nvPr>
             <p:ph idx="1"/>
           </p:nvPr>
-        </p:nvSpPr>
-        <p:spPr/>
-        <p:txBody>
-          <a:bodyPr/>
-          <a:lstStyle/>
-          <a:p>
-            <a:endParaRPr lang="en-US"/>
-          </a:p>
-        </p:txBody>
-      </p:sp>
+        </p:nvPicPr>
+        <p:blipFill>
+          <a:blip r:embed="rId3" cstate="print">
+            <a:extLst>
+              <a:ext uri="{28A0092B-C50C-407E-A947-70E740481C1C}">
+                <a14:useLocalDpi xmlns:a14="http://schemas.microsoft.com/office/drawing/2010/main" val="0"/>
+              </a:ext>
+            </a:extLst>
+          </a:blip>
+          <a:stretch>
+            <a:fillRect/>
+          </a:stretch>
+        </p:blipFill>
+        <p:spPr>
+          <a:xfrm>
+            <a:off x="2491035" y="1825625"/>
+            <a:ext cx="7209929" cy="4351338"/>
+          </a:xfrm>
+        </p:spPr>
+      </p:pic>
     </p:spTree>
     <p:extLst>
       <p:ext uri="{BB962C8B-B14F-4D97-AF65-F5344CB8AC3E}">
-        <p14:creationId xmlns:p14="http://schemas.microsoft.com/office/powerpoint/2010/main" val="442889948"/>
+        <p14:creationId xmlns:p14="http://schemas.microsoft.com/office/powerpoint/2010/main" val="3982972167"/>
       </p:ext>
     </p:extLst>
   </p:cSld>
   <p:clrMapOvr>
     <a:masterClrMapping/>
   </p:clrMapOvr>
+  <p:timing>
+    <p:tnLst>
+      <p:par>
+        <p:cTn id="1" dur="indefinite" restart="never" nodeType="tmRoot"/>
+      </p:par>
+    </p:tnLst>
+  </p:timing>
 </p:sld>
 </file>
 
@@ -4158,8 +5343,28 @@
           <a:lstStyle/>
           <a:p>
             <a:r>
-              <a:rPr lang="fr-FR" dirty="0" err="1" smtClean="0"/>
-              <a:t>Momentum</a:t>
+              <a:rPr lang="en-US" dirty="0" err="1" smtClean="0"/>
+              <a:t>Công</a:t>
+            </a:r>
+            <a:r>
+              <a:rPr lang="en-US" dirty="0" smtClean="0"/>
+              <a:t> </a:t>
+            </a:r>
+            <a:r>
+              <a:rPr lang="en-US" dirty="0" err="1" smtClean="0"/>
+              <a:t>thức</a:t>
+            </a:r>
+            <a:r>
+              <a:rPr lang="en-US" dirty="0" smtClean="0"/>
+              <a:t> </a:t>
+            </a:r>
+            <a:r>
+              <a:rPr lang="en-US" dirty="0" err="1" smtClean="0"/>
+              <a:t>tính</a:t>
+            </a:r>
+            <a:r>
+              <a:rPr lang="en-US" dirty="0" smtClean="0"/>
+              <a:t> attention</a:t>
             </a:r>
             <a:endParaRPr lang="en-US" dirty="0"/>
           </a:p>
@@ -4180,86 +5385,55 @@
           <a:bodyPr/>
           <a:lstStyle/>
           <a:p>
-            <a:endParaRPr lang="en-US"/>
+            <a:endParaRPr lang="en-US" dirty="0"/>
           </a:p>
         </p:txBody>
       </p:sp>
       <p:pic>
         <p:nvPicPr>
-          <p:cNvPr id="6" name="Picture 5"/>
+          <p:cNvPr id="1026" name="Picture 2" descr="https://lena-voita.github.io/resources/lectures/seq2seq/transformer/qkv_attention_formula-min.png"/>
           <p:cNvPicPr>
-            <a:picLocks noChangeAspect="1"/>
+            <a:picLocks noChangeAspect="1" noChangeArrowheads="1"/>
           </p:cNvPicPr>
           <p:nvPr/>
         </p:nvPicPr>
         <p:blipFill>
-          <a:blip r:embed="rId3"/>
+          <a:blip r:embed="rId2" cstate="print">
+            <a:extLst>
+              <a:ext uri="{28A0092B-C50C-407E-A947-70E740481C1C}">
+                <a14:useLocalDpi xmlns:a14="http://schemas.microsoft.com/office/drawing/2010/main" val="0"/>
+              </a:ext>
+            </a:extLst>
+          </a:blip>
+          <a:srcRect/>
           <a:stretch>
             <a:fillRect/>
           </a:stretch>
         </p:blipFill>
-        <p:spPr>
+        <p:spPr bwMode="auto">
           <a:xfrm>
-            <a:off x="7571489" y="825131"/>
-            <a:ext cx="3848100" cy="2762250"/>
+            <a:off x="3967531" y="3352127"/>
+            <a:ext cx="4256937" cy="1298333"/>
           </a:xfrm>
           <a:prstGeom prst="rect">
             <a:avLst/>
           </a:prstGeom>
-        </p:spPr>
-      </p:pic>
-      <p:pic>
-        <p:nvPicPr>
-          <p:cNvPr id="7" name="Picture 6"/>
-          <p:cNvPicPr>
-            <a:picLocks noChangeAspect="1"/>
-          </p:cNvPicPr>
-          <p:nvPr/>
-        </p:nvPicPr>
-        <p:blipFill>
-          <a:blip r:embed="rId4"/>
-          <a:stretch>
-            <a:fillRect/>
-          </a:stretch>
-        </p:blipFill>
-        <p:spPr>
-          <a:xfrm>
-            <a:off x="7256277" y="3820964"/>
-            <a:ext cx="4229100" cy="2809875"/>
-          </a:xfrm>
-          <a:prstGeom prst="rect">
-            <a:avLst/>
-          </a:prstGeom>
-        </p:spPr>
-      </p:pic>
-      <p:pic>
-        <p:nvPicPr>
-          <p:cNvPr id="8" name="Picture 7"/>
-          <p:cNvPicPr>
-            <a:picLocks noChangeAspect="1"/>
-          </p:cNvPicPr>
-          <p:nvPr/>
-        </p:nvPicPr>
-        <p:blipFill>
-          <a:blip r:embed="rId5"/>
-          <a:stretch>
-            <a:fillRect/>
-          </a:stretch>
-        </p:blipFill>
-        <p:spPr>
-          <a:xfrm>
-            <a:off x="1366394" y="2338055"/>
-            <a:ext cx="1952625" cy="438150"/>
-          </a:xfrm>
-          <a:prstGeom prst="rect">
-            <a:avLst/>
-          </a:prstGeom>
+          <a:noFill/>
+          <a:extLst>
+            <a:ext uri="{909E8E84-426E-40DD-AFC4-6F175D3DCCD1}">
+              <a14:hiddenFill xmlns:a14="http://schemas.microsoft.com/office/drawing/2010/main">
+                <a:solidFill>
+                  <a:srgbClr val="FFFFFF"/>
+                </a:solidFill>
+              </a14:hiddenFill>
+            </a:ext>
+          </a:extLst>
         </p:spPr>
       </p:pic>
     </p:spTree>
     <p:extLst>
       <p:ext uri="{BB962C8B-B14F-4D97-AF65-F5344CB8AC3E}">
-        <p14:creationId xmlns:p14="http://schemas.microsoft.com/office/powerpoint/2010/main" val="1870812173"/>
+        <p14:creationId xmlns:p14="http://schemas.microsoft.com/office/powerpoint/2010/main" val="2966031857"/>
       </p:ext>
     </p:extLst>
   </p:cSld>
@@ -4302,87 +5476,30 @@
           <a:lstStyle/>
           <a:p>
             <a:r>
-              <a:rPr lang="fr-FR" dirty="0" err="1" smtClean="0"/>
-              <a:t>Momentum</a:t>
+              <a:rPr lang="en-US" dirty="0" smtClean="0"/>
+              <a:t>Masked self attention</a:t>
             </a:r>
             <a:endParaRPr lang="en-US" dirty="0"/>
-          </a:p>
-        </p:txBody>
-      </p:sp>
-      <p:sp>
-        <p:nvSpPr>
-          <p:cNvPr id="3" name="Content Placeholder 2"/>
-          <p:cNvSpPr>
-            <a:spLocks noGrp="1"/>
-          </p:cNvSpPr>
-          <p:nvPr>
-            <p:ph idx="1"/>
-          </p:nvPr>
-        </p:nvSpPr>
-        <p:spPr/>
-        <p:txBody>
-          <a:bodyPr/>
-          <a:lstStyle/>
-          <a:p>
-            <a:endParaRPr lang="en-US"/>
           </a:p>
         </p:txBody>
       </p:sp>
       <p:pic>
         <p:nvPicPr>
-          <p:cNvPr id="4" name="Picture 3"/>
+          <p:cNvPr id="4" name="masked_self_attn">
+            <a:hlinkClick r:id="" action="ppaction://media"/>
+          </p:cNvPr>
           <p:cNvPicPr>
-            <a:picLocks noChangeAspect="1"/>
+            <a:picLocks noGrp="1" noChangeAspect="1"/>
           </p:cNvPicPr>
-          <p:nvPr/>
-        </p:nvPicPr>
-        <p:blipFill>
-          <a:blip r:embed="rId2"/>
-          <a:stretch>
-            <a:fillRect/>
-          </a:stretch>
-        </p:blipFill>
-        <p:spPr>
-          <a:xfrm>
-            <a:off x="1256081" y="2359764"/>
-            <a:ext cx="2066925" cy="628650"/>
-          </a:xfrm>
-          <a:prstGeom prst="rect">
-            <a:avLst/>
-          </a:prstGeom>
-        </p:spPr>
-      </p:pic>
-      <p:pic>
-        <p:nvPicPr>
-          <p:cNvPr id="5" name="Picture 4"/>
-          <p:cNvPicPr>
-            <a:picLocks noChangeAspect="1"/>
-          </p:cNvPicPr>
-          <p:nvPr/>
-        </p:nvPicPr>
-        <p:blipFill>
-          <a:blip r:embed="rId3"/>
-          <a:stretch>
-            <a:fillRect/>
-          </a:stretch>
-        </p:blipFill>
-        <p:spPr>
-          <a:xfrm>
-            <a:off x="7301576" y="1210469"/>
-            <a:ext cx="3819525" cy="2790825"/>
-          </a:xfrm>
-          <a:prstGeom prst="rect">
-            <a:avLst/>
-          </a:prstGeom>
-        </p:spPr>
-      </p:pic>
-      <p:pic>
-        <p:nvPicPr>
-          <p:cNvPr id="6" name="Picture 5"/>
-          <p:cNvPicPr>
-            <a:picLocks noChangeAspect="1"/>
-          </p:cNvPicPr>
-          <p:nvPr/>
+          <p:nvPr>
+            <p:ph idx="1"/>
+            <a:videoFile r:link="rId2"/>
+            <p:extLst>
+              <p:ext uri="{DAA4B4D4-6D71-4841-9C94-3DE7FCFB9230}">
+                <p14:media xmlns:p14="http://schemas.microsoft.com/office/powerpoint/2010/main" r:embed="rId1"/>
+              </p:ext>
+            </p:extLst>
+          </p:nvPr>
         </p:nvPicPr>
         <p:blipFill>
           <a:blip r:embed="rId4"/>
@@ -4392,24 +5509,101 @@
         </p:blipFill>
         <p:spPr>
           <a:xfrm>
-            <a:off x="7301576" y="3751808"/>
-            <a:ext cx="3790950" cy="2781300"/>
+            <a:off x="3652838" y="1825625"/>
+            <a:ext cx="4887912" cy="4351338"/>
           </a:xfrm>
-          <a:prstGeom prst="rect">
-            <a:avLst/>
-          </a:prstGeom>
         </p:spPr>
       </p:pic>
     </p:spTree>
     <p:extLst>
       <p:ext uri="{BB962C8B-B14F-4D97-AF65-F5344CB8AC3E}">
-        <p14:creationId xmlns:p14="http://schemas.microsoft.com/office/powerpoint/2010/main" val="748581993"/>
+        <p14:creationId xmlns:p14="http://schemas.microsoft.com/office/powerpoint/2010/main" val="2295876779"/>
       </p:ext>
     </p:extLst>
   </p:cSld>
   <p:clrMapOvr>
     <a:masterClrMapping/>
   </p:clrMapOvr>
+  <p:timing>
+    <p:tnLst>
+      <p:par>
+        <p:cTn id="1" dur="indefinite" restart="never" nodeType="tmRoot">
+          <p:childTnLst>
+            <p:seq concurrent="1" nextAc="seek">
+              <p:cTn id="2" restart="whenNotActive" fill="hold" evtFilter="cancelBubble" nodeType="interactiveSeq">
+                <p:stCondLst>
+                  <p:cond evt="onClick" delay="0">
+                    <p:tgtEl>
+                      <p:spTgt spid="4"/>
+                    </p:tgtEl>
+                  </p:cond>
+                </p:stCondLst>
+                <p:endSync evt="end" delay="0">
+                  <p:rtn val="all"/>
+                </p:endSync>
+                <p:childTnLst>
+                  <p:par>
+                    <p:cTn id="3" fill="hold">
+                      <p:stCondLst>
+                        <p:cond delay="0"/>
+                      </p:stCondLst>
+                      <p:childTnLst>
+                        <p:par>
+                          <p:cTn id="4" fill="hold">
+                            <p:stCondLst>
+                              <p:cond delay="0"/>
+                            </p:stCondLst>
+                            <p:childTnLst>
+                              <p:par>
+                                <p:cTn id="5" presetID="2" presetClass="mediacall" presetSubtype="0" fill="hold" nodeType="clickEffect">
+                                  <p:stCondLst>
+                                    <p:cond delay="0"/>
+                                  </p:stCondLst>
+                                  <p:childTnLst>
+                                    <p:cmd type="call" cmd="togglePause">
+                                      <p:cBhvr>
+                                        <p:cTn id="6" dur="1" fill="hold"/>
+                                        <p:tgtEl>
+                                          <p:spTgt spid="4"/>
+                                        </p:tgtEl>
+                                      </p:cBhvr>
+                                    </p:cmd>
+                                  </p:childTnLst>
+                                </p:cTn>
+                              </p:par>
+                            </p:childTnLst>
+                          </p:cTn>
+                        </p:par>
+                      </p:childTnLst>
+                    </p:cTn>
+                  </p:par>
+                </p:childTnLst>
+              </p:cTn>
+              <p:nextCondLst>
+                <p:cond evt="onClick" delay="0">
+                  <p:tgtEl>
+                    <p:spTgt spid="4"/>
+                  </p:tgtEl>
+                </p:cond>
+              </p:nextCondLst>
+            </p:seq>
+            <p:video>
+              <p:cMediaNode vol="80000">
+                <p:cTn id="7" fill="hold" display="0">
+                  <p:stCondLst>
+                    <p:cond delay="indefinite"/>
+                  </p:stCondLst>
+                </p:cTn>
+                <p:tgtEl>
+                  <p:spTgt spid="4"/>
+                </p:tgtEl>
+              </p:cMediaNode>
+            </p:video>
+          </p:childTnLst>
+        </p:cTn>
+      </p:par>
+    </p:tnLst>
+  </p:timing>
 </p:sld>
 </file>
 
@@ -4447,65 +5641,133 @@
           <a:p>
             <a:r>
               <a:rPr lang="en-US" dirty="0" smtClean="0"/>
-              <a:t>Adam</a:t>
+              <a:t>Multi head attention</a:t>
             </a:r>
             <a:endParaRPr lang="en-US" dirty="0"/>
-          </a:p>
-        </p:txBody>
-      </p:sp>
-      <p:sp>
-        <p:nvSpPr>
-          <p:cNvPr id="3" name="Content Placeholder 2"/>
-          <p:cNvSpPr>
-            <a:spLocks noGrp="1"/>
-          </p:cNvSpPr>
-          <p:nvPr>
-            <p:ph idx="1"/>
-          </p:nvPr>
-        </p:nvSpPr>
-        <p:spPr/>
-        <p:txBody>
-          <a:bodyPr/>
-          <a:lstStyle/>
-          <a:p>
-            <a:endParaRPr lang="en-US"/>
           </a:p>
         </p:txBody>
       </p:sp>
       <p:pic>
         <p:nvPicPr>
-          <p:cNvPr id="4" name="Picture 3"/>
+          <p:cNvPr id="4" name="multi_head">
+            <a:hlinkClick r:id="" action="ppaction://media"/>
+          </p:cNvPr>
           <p:cNvPicPr>
-            <a:picLocks noChangeAspect="1"/>
+            <a:picLocks noGrp="1" noChangeAspect="1"/>
           </p:cNvPicPr>
-          <p:nvPr/>
+          <p:nvPr>
+            <p:ph idx="1"/>
+            <a:videoFile r:link="rId2"/>
+            <p:extLst>
+              <p:ext uri="{DAA4B4D4-6D71-4841-9C94-3DE7FCFB9230}">
+                <p14:media xmlns:p14="http://schemas.microsoft.com/office/powerpoint/2010/main" r:embed="rId1"/>
+              </p:ext>
+            </p:extLst>
+          </p:nvPr>
         </p:nvPicPr>
         <p:blipFill>
-          <a:blip r:embed="rId2"/>
+          <a:blip r:embed="rId4"/>
           <a:stretch>
             <a:fillRect/>
           </a:stretch>
         </p:blipFill>
         <p:spPr>
           <a:xfrm>
-            <a:off x="4061859" y="1158948"/>
-            <a:ext cx="5580562" cy="5214383"/>
+            <a:off x="4010025" y="1825625"/>
+            <a:ext cx="4170363" cy="4351338"/>
           </a:xfrm>
-          <a:prstGeom prst="rect">
-            <a:avLst/>
-          </a:prstGeom>
         </p:spPr>
       </p:pic>
     </p:spTree>
     <p:extLst>
       <p:ext uri="{BB962C8B-B14F-4D97-AF65-F5344CB8AC3E}">
-        <p14:creationId xmlns:p14="http://schemas.microsoft.com/office/powerpoint/2010/main" val="1246606987"/>
+        <p14:creationId xmlns:p14="http://schemas.microsoft.com/office/powerpoint/2010/main" val="2044410526"/>
       </p:ext>
     </p:extLst>
   </p:cSld>
   <p:clrMapOvr>
     <a:masterClrMapping/>
   </p:clrMapOvr>
+  <p:timing>
+    <p:tnLst>
+      <p:par>
+        <p:cTn id="1" dur="indefinite" restart="never" nodeType="tmRoot">
+          <p:childTnLst>
+            <p:seq concurrent="1" nextAc="seek">
+              <p:cTn id="2" restart="whenNotActive" fill="hold" evtFilter="cancelBubble" nodeType="interactiveSeq">
+                <p:stCondLst>
+                  <p:cond evt="onClick" delay="0">
+                    <p:tgtEl>
+                      <p:spTgt spid="4"/>
+                    </p:tgtEl>
+                  </p:cond>
+                </p:stCondLst>
+                <p:endSync evt="end" delay="0">
+                  <p:rtn val="all"/>
+                </p:endSync>
+                <p:childTnLst>
+                  <p:par>
+                    <p:cTn id="3" fill="hold">
+                      <p:stCondLst>
+                        <p:cond delay="0"/>
+                      </p:stCondLst>
+                      <p:childTnLst>
+                        <p:par>
+                          <p:cTn id="4" fill="hold">
+                            <p:stCondLst>
+                              <p:cond delay="0"/>
+                            </p:stCondLst>
+                            <p:childTnLst>
+                              <p:par>
+                                <p:cTn id="5" presetID="2" presetClass="mediacall" presetSubtype="0" fill="hold" nodeType="clickEffect">
+                                  <p:stCondLst>
+                                    <p:cond delay="0"/>
+                                  </p:stCondLst>
+                                  <p:childTnLst>
+                                    <p:cmd type="call" cmd="togglePause">
+                                      <p:cBhvr>
+                                        <p:cTn id="6" dur="1" fill="hold"/>
+                                        <p:tgtEl>
+                                          <p:spTgt spid="4"/>
+                                        </p:tgtEl>
+                                      </p:cBhvr>
+                                    </p:cmd>
+                                  </p:childTnLst>
+                                </p:cTn>
+                              </p:par>
+                            </p:childTnLst>
+                          </p:cTn>
+                        </p:par>
+                      </p:childTnLst>
+                    </p:cTn>
+                  </p:par>
+                </p:childTnLst>
+              </p:cTn>
+              <p:nextCondLst>
+                <p:cond evt="onClick" delay="0">
+                  <p:tgtEl>
+                    <p:spTgt spid="4"/>
+                  </p:tgtEl>
+                </p:cond>
+              </p:nextCondLst>
+            </p:seq>
+            <p:video>
+              <p:cMediaNode vol="80000">
+                <p:cTn id="7" fill="hold" display="0">
+                  <p:stCondLst>
+                    <p:cond delay="indefinite"/>
+                  </p:stCondLst>
+                </p:cTn>
+                <p:tgtEl>
+                  <p:spTgt spid="4"/>
+                </p:tgtEl>
+              </p:cMediaNode>
+            </p:video>
+          </p:childTnLst>
+        </p:cTn>
+      </p:par>
+    </p:tnLst>
+  </p:timing>
 </p:sld>
 </file>
 
@@ -4542,48 +5804,20 @@
           <a:lstStyle/>
           <a:p>
             <a:r>
-              <a:rPr lang="en-US" dirty="0" smtClean="0"/>
-              <a:t>Learning rate scheduler</a:t>
-            </a:r>
-            <a:endParaRPr lang="en-US" dirty="0"/>
-          </a:p>
-        </p:txBody>
-      </p:sp>
-      <p:sp>
-        <p:nvSpPr>
-          <p:cNvPr id="3" name="Content Placeholder 2"/>
-          <p:cNvSpPr>
-            <a:spLocks noGrp="1"/>
-          </p:cNvSpPr>
-          <p:nvPr>
-            <p:ph idx="1"/>
-          </p:nvPr>
-        </p:nvSpPr>
-        <p:spPr/>
-        <p:txBody>
-          <a:bodyPr/>
-          <a:lstStyle/>
-          <a:p>
-            <a:r>
-              <a:rPr lang="en-US" dirty="0" smtClean="0"/>
-              <a:t>Change </a:t>
-            </a:r>
-            <a:r>
-              <a:rPr lang="en-US" dirty="0" err="1" smtClean="0"/>
-              <a:t>lr</a:t>
-            </a:r>
-            <a:r>
-              <a:rPr lang="en-US" dirty="0" smtClean="0"/>
-              <a:t> using number of iteration</a:t>
-            </a:r>
-          </a:p>
-          <a:p>
-            <a:endParaRPr lang="en-US" dirty="0"/>
-          </a:p>
-          <a:p>
-            <a:r>
-              <a:rPr lang="en-US" dirty="0" smtClean="0"/>
-              <a:t> (code)</a:t>
+              <a:rPr lang="en-US" dirty="0" err="1" smtClean="0"/>
+              <a:t>Mô</a:t>
+            </a:r>
+            <a:r>
+              <a:rPr lang="en-US" dirty="0" smtClean="0"/>
+              <a:t> </a:t>
+            </a:r>
+            <a:r>
+              <a:rPr lang="en-US" dirty="0" err="1" smtClean="0"/>
+              <a:t>hình</a:t>
+            </a:r>
+            <a:r>
+              <a:rPr lang="en-US" dirty="0" smtClean="0"/>
+              <a:t> transformer</a:t>
             </a:r>
             <a:endParaRPr lang="en-US" dirty="0"/>
           </a:p>
@@ -4591,32 +5825,49 @@
       </p:sp>
       <p:pic>
         <p:nvPicPr>
-          <p:cNvPr id="4" name="Picture 3"/>
+          <p:cNvPr id="2050" name="Picture 2" descr="https://lena-voita.github.io/resources/lectures/seq2seq/transformer/model-min.png"/>
           <p:cNvPicPr>
-            <a:picLocks noChangeAspect="1"/>
+            <a:picLocks noChangeAspect="1" noChangeArrowheads="1"/>
           </p:cNvPicPr>
           <p:nvPr/>
         </p:nvPicPr>
         <p:blipFill>
-          <a:blip r:embed="rId2"/>
+          <a:blip r:embed="rId2" cstate="print">
+            <a:extLst>
+              <a:ext uri="{28A0092B-C50C-407E-A947-70E740481C1C}">
+                <a14:useLocalDpi xmlns:a14="http://schemas.microsoft.com/office/drawing/2010/main" val="0"/>
+              </a:ext>
+            </a:extLst>
+          </a:blip>
+          <a:srcRect/>
           <a:stretch>
             <a:fillRect/>
           </a:stretch>
         </p:blipFill>
-        <p:spPr>
+        <p:spPr bwMode="auto">
           <a:xfrm>
-            <a:off x="8710723" y="2006563"/>
-            <a:ext cx="1447800" cy="314325"/>
+            <a:off x="1773237" y="1700270"/>
+            <a:ext cx="8645525" cy="4602047"/>
           </a:xfrm>
           <a:prstGeom prst="rect">
             <a:avLst/>
           </a:prstGeom>
+          <a:noFill/>
+          <a:extLst>
+            <a:ext uri="{909E8E84-426E-40DD-AFC4-6F175D3DCCD1}">
+              <a14:hiddenFill xmlns:a14="http://schemas.microsoft.com/office/drawing/2010/main">
+                <a:solidFill>
+                  <a:srgbClr val="FFFFFF"/>
+                </a:solidFill>
+              </a14:hiddenFill>
+            </a:ext>
+          </a:extLst>
         </p:spPr>
       </p:pic>
     </p:spTree>
     <p:extLst>
       <p:ext uri="{BB962C8B-B14F-4D97-AF65-F5344CB8AC3E}">
-        <p14:creationId xmlns:p14="http://schemas.microsoft.com/office/powerpoint/2010/main" val="1558427564"/>
+        <p14:creationId xmlns:p14="http://schemas.microsoft.com/office/powerpoint/2010/main" val="468857704"/>
       </p:ext>
     </p:extLst>
   </p:cSld>
@@ -4660,7 +5911,7 @@
           <a:p>
             <a:r>
               <a:rPr lang="fr-FR" dirty="0" err="1" smtClean="0"/>
-              <a:t>Warmup</a:t>
+              <a:t>Summary</a:t>
             </a:r>
             <a:endParaRPr lang="en-US" dirty="0"/>
           </a:p>
@@ -4678,59 +5929,60 @@
         </p:nvSpPr>
         <p:spPr/>
         <p:txBody>
-          <a:bodyPr/>
+          <a:bodyPr>
+            <a:normAutofit fontScale="92500" lnSpcReduction="10000"/>
+          </a:bodyPr>
           <a:lstStyle/>
           <a:p>
             <a:r>
               <a:rPr lang="en-US" dirty="0"/>
-              <a:t>use a warmup period during which the learning rate </a:t>
-            </a:r>
-            <a:r>
-              <a:rPr lang="en-US" i="1" dirty="0"/>
-              <a:t>increases</a:t>
-            </a:r>
+              <a:t>Decreasing the learning rate during training can lead to improved accuracy and (most perplexingly) reduced overfitting of the model.</a:t>
+            </a:r>
+          </a:p>
+          <a:p>
             <a:r>
               <a:rPr lang="en-US" dirty="0"/>
-              <a:t> to its initial maximum and to cool down the rate until the end of the optimization process</a:t>
-            </a:r>
+              <a:t>A piecewise decrease of the learning rate whenever progress has plateaued is effective in practice. Essentially this ensures that we converge efficiently to a suitable solution and only then reduce the inherent variance of the parameters by reducing the learning rate.</a:t>
+            </a:r>
+          </a:p>
+          <a:p>
+            <a:r>
+              <a:rPr lang="en-US" dirty="0" smtClean="0"/>
+              <a:t>A </a:t>
+            </a:r>
+            <a:r>
+              <a:rPr lang="en-US" dirty="0"/>
+              <a:t>warmup period before optimization can prevent divergence.</a:t>
+            </a:r>
+          </a:p>
+          <a:p>
+            <a:r>
+              <a:rPr lang="en-US" dirty="0"/>
+              <a:t>Optimization serves multiple purposes in deep learning. Besides minimizing the training objective, different choices of optimization algorithms and learning rate scheduling can lead to rather different amounts of generalization and overfitting on the test set (for the same amount of training error).</a:t>
+            </a:r>
+          </a:p>
+          <a:p>
             <a:endParaRPr lang="en-US" dirty="0"/>
           </a:p>
         </p:txBody>
       </p:sp>
-      <p:pic>
-        <p:nvPicPr>
-          <p:cNvPr id="4" name="Picture 3"/>
-          <p:cNvPicPr>
-            <a:picLocks noChangeAspect="1"/>
-          </p:cNvPicPr>
-          <p:nvPr/>
-        </p:nvPicPr>
-        <p:blipFill>
-          <a:blip r:embed="rId2"/>
-          <a:stretch>
-            <a:fillRect/>
-          </a:stretch>
-        </p:blipFill>
-        <p:spPr>
-          <a:xfrm>
-            <a:off x="4262437" y="3277154"/>
-            <a:ext cx="3667125" cy="2600325"/>
-          </a:xfrm>
-          <a:prstGeom prst="rect">
-            <a:avLst/>
-          </a:prstGeom>
-        </p:spPr>
-      </p:pic>
     </p:spTree>
     <p:extLst>
       <p:ext uri="{BB962C8B-B14F-4D97-AF65-F5344CB8AC3E}">
-        <p14:creationId xmlns:p14="http://schemas.microsoft.com/office/powerpoint/2010/main" val="3804214126"/>
+        <p14:creationId xmlns:p14="http://schemas.microsoft.com/office/powerpoint/2010/main" val="250655480"/>
       </p:ext>
     </p:extLst>
   </p:cSld>
   <p:clrMapOvr>
     <a:masterClrMapping/>
   </p:clrMapOvr>
+  <p:timing>
+    <p:tnLst>
+      <p:par>
+        <p:cTn id="1" dur="indefinite" restart="never" nodeType="tmRoot"/>
+      </p:par>
+    </p:tnLst>
+  </p:timing>
 </p:sld>
 </file>
 
@@ -4753,7 +6005,7 @@
       </p:grpSpPr>
       <p:sp>
         <p:nvSpPr>
-          <p:cNvPr id="2" name="Title 1"/>
+          <p:cNvPr id="4" name="Title 3"/>
           <p:cNvSpPr>
             <a:spLocks noGrp="1"/>
           </p:cNvSpPr>
@@ -4767,8 +6019,8 @@
           <a:lstStyle/>
           <a:p>
             <a:r>
-              <a:rPr lang="fr-FR" dirty="0" err="1" smtClean="0"/>
-              <a:t>Summary</a:t>
+              <a:rPr lang="fr-FR" dirty="0" smtClean="0"/>
+              <a:t>Practice</a:t>
             </a:r>
             <a:endParaRPr lang="en-US" dirty="0"/>
           </a:p>
@@ -4776,7 +6028,7 @@
       </p:sp>
       <p:sp>
         <p:nvSpPr>
-          <p:cNvPr id="3" name="Content Placeholder 2"/>
+          <p:cNvPr id="5" name="Content Placeholder 4"/>
           <p:cNvSpPr>
             <a:spLocks noGrp="1"/>
           </p:cNvSpPr>
@@ -4786,47 +6038,20 @@
         </p:nvSpPr>
         <p:spPr/>
         <p:txBody>
-          <a:bodyPr>
-            <a:normAutofit fontScale="92500" lnSpcReduction="10000"/>
-          </a:bodyPr>
-          <a:lstStyle/>
-          <a:p>
-            <a:r>
-              <a:rPr lang="en-US" dirty="0"/>
-              <a:t>Decreasing the learning rate during training can lead to improved accuracy and (most perplexingly) reduced overfitting of the model.</a:t>
-            </a:r>
-          </a:p>
-          <a:p>
-            <a:r>
-              <a:rPr lang="en-US" dirty="0"/>
-              <a:t>A piecewise decrease of the learning rate whenever progress has plateaued is effective in practice. Essentially this ensures that we converge efficiently to a suitable solution and only then reduce the inherent variance of the parameters by reducing the learning rate.</a:t>
-            </a:r>
-          </a:p>
-          <a:p>
-            <a:r>
-              <a:rPr lang="en-US" dirty="0" smtClean="0"/>
-              <a:t>A </a:t>
-            </a:r>
-            <a:r>
-              <a:rPr lang="en-US" dirty="0"/>
-              <a:t>warmup period before optimization can prevent divergence.</a:t>
-            </a:r>
-          </a:p>
-          <a:p>
-            <a:r>
-              <a:rPr lang="en-US" dirty="0"/>
-              <a:t>Optimization serves multiple purposes in deep learning. Besides minimizing the training objective, different choices of optimization algorithms and learning rate scheduling can lead to rather different amounts of generalization and overfitting on the test set (for the same amount of training error).</a:t>
-            </a:r>
-          </a:p>
-          <a:p>
-            <a:endParaRPr lang="en-US" dirty="0"/>
+          <a:bodyPr/>
+          <a:lstStyle/>
+          <a:p>
+            <a:r>
+              <a:rPr lang="fr-FR" dirty="0" smtClean="0"/>
+              <a:t>Code transformer</a:t>
+            </a:r>
           </a:p>
         </p:txBody>
       </p:sp>
     </p:spTree>
     <p:extLst>
       <p:ext uri="{BB962C8B-B14F-4D97-AF65-F5344CB8AC3E}">
-        <p14:creationId xmlns:p14="http://schemas.microsoft.com/office/powerpoint/2010/main" val="250655480"/>
+        <p14:creationId xmlns:p14="http://schemas.microsoft.com/office/powerpoint/2010/main" val="205605987"/>
       </p:ext>
     </p:extLst>
   </p:cSld>
@@ -4869,8 +6094,44 @@
           <a:lstStyle/>
           <a:p>
             <a:r>
-              <a:rPr lang="en-US" dirty="0" smtClean="0"/>
-              <a:t>Attention in seq2seq</a:t>
+              <a:rPr lang="en-US" dirty="0" err="1" smtClean="0"/>
+              <a:t>Cấu</a:t>
+            </a:r>
+            <a:r>
+              <a:rPr lang="en-US" dirty="0" smtClean="0"/>
+              <a:t> </a:t>
+            </a:r>
+            <a:r>
+              <a:rPr lang="en-US" dirty="0" err="1" smtClean="0"/>
+              <a:t>trúc</a:t>
+            </a:r>
+            <a:r>
+              <a:rPr lang="en-US" dirty="0" smtClean="0"/>
+              <a:t> attention </a:t>
+            </a:r>
+            <a:r>
+              <a:rPr lang="en-US" dirty="0" err="1" smtClean="0"/>
+              <a:t>trong</a:t>
+            </a:r>
+            <a:r>
+              <a:rPr lang="en-US" dirty="0" smtClean="0"/>
+              <a:t> </a:t>
+            </a:r>
+            <a:r>
+              <a:rPr lang="en-US" dirty="0" err="1" smtClean="0"/>
+              <a:t>mô</a:t>
+            </a:r>
+            <a:r>
+              <a:rPr lang="en-US" dirty="0" smtClean="0"/>
+              <a:t> </a:t>
+            </a:r>
+            <a:r>
+              <a:rPr lang="en-US" dirty="0" err="1" smtClean="0"/>
+              <a:t>hình</a:t>
+            </a:r>
+            <a:r>
+              <a:rPr lang="en-US" dirty="0" smtClean="0"/>
+              <a:t> seq2seq</a:t>
             </a:r>
             <a:endParaRPr lang="en-US" dirty="0"/>
           </a:p>
@@ -4898,117 +6159,7 @@
     </p:spTree>
     <p:extLst>
       <p:ext uri="{BB962C8B-B14F-4D97-AF65-F5344CB8AC3E}">
-        <p14:creationId xmlns:p14="http://schemas.microsoft.com/office/powerpoint/2010/main" val="2267678998"/>
-      </p:ext>
-    </p:extLst>
-  </p:cSld>
-  <p:clrMapOvr>
-    <a:masterClrMapping/>
-  </p:clrMapOvr>
-</p:sld>
-</file>
-
-<file path=ppt/slides/slide20.xml><?xml version="1.0" encoding="utf-8"?>
-<p:sld xmlns:a="http://schemas.openxmlformats.org/drawingml/2006/main" xmlns:r="http://schemas.openxmlformats.org/officeDocument/2006/relationships" xmlns:p="http://schemas.openxmlformats.org/presentationml/2006/main">
-  <p:cSld>
-    <p:spTree>
-      <p:nvGrpSpPr>
-        <p:cNvPr id="1" name=""/>
-        <p:cNvGrpSpPr/>
-        <p:nvPr/>
-      </p:nvGrpSpPr>
-      <p:grpSpPr>
-        <a:xfrm>
-          <a:off x="0" y="0"/>
-          <a:ext cx="0" cy="0"/>
-          <a:chOff x="0" y="0"/>
-          <a:chExt cx="0" cy="0"/>
-        </a:xfrm>
-      </p:grpSpPr>
-      <p:sp>
-        <p:nvSpPr>
-          <p:cNvPr id="4" name="Title 3"/>
-          <p:cNvSpPr>
-            <a:spLocks noGrp="1"/>
-          </p:cNvSpPr>
-          <p:nvPr>
-            <p:ph type="title"/>
-          </p:nvPr>
-        </p:nvSpPr>
-        <p:spPr/>
-        <p:txBody>
-          <a:bodyPr/>
-          <a:lstStyle/>
-          <a:p>
-            <a:r>
-              <a:rPr lang="fr-FR" dirty="0" smtClean="0"/>
-              <a:t>Practice</a:t>
-            </a:r>
-            <a:endParaRPr lang="en-US" dirty="0"/>
-          </a:p>
-        </p:txBody>
-      </p:sp>
-      <p:sp>
-        <p:nvSpPr>
-          <p:cNvPr id="5" name="Content Placeholder 4"/>
-          <p:cNvSpPr>
-            <a:spLocks noGrp="1"/>
-          </p:cNvSpPr>
-          <p:nvPr>
-            <p:ph idx="1"/>
-          </p:nvPr>
-        </p:nvSpPr>
-        <p:spPr/>
-        <p:txBody>
-          <a:bodyPr/>
-          <a:lstStyle/>
-          <a:p>
-            <a:r>
-              <a:rPr lang="fr-FR" dirty="0" smtClean="0"/>
-              <a:t>Seq2seq </a:t>
-            </a:r>
-            <a:r>
-              <a:rPr lang="fr-FR" dirty="0" err="1" smtClean="0"/>
-              <a:t>with</a:t>
-            </a:r>
-            <a:r>
-              <a:rPr lang="fr-FR" dirty="0" smtClean="0"/>
-              <a:t> attention</a:t>
-            </a:r>
-          </a:p>
-          <a:p>
-            <a:r>
-              <a:rPr lang="fr-FR" dirty="0" smtClean="0"/>
-              <a:t>Bai </a:t>
-            </a:r>
-            <a:r>
-              <a:rPr lang="fr-FR" dirty="0" err="1" smtClean="0"/>
-              <a:t>tap</a:t>
-            </a:r>
-            <a:r>
-              <a:rPr lang="fr-FR" dirty="0" smtClean="0"/>
-              <a:t> </a:t>
-            </a:r>
-            <a:r>
-              <a:rPr lang="fr-FR" dirty="0" err="1" smtClean="0"/>
-              <a:t>giua</a:t>
-            </a:r>
-            <a:r>
-              <a:rPr lang="fr-FR" dirty="0" smtClean="0"/>
-              <a:t> </a:t>
-            </a:r>
-            <a:r>
-              <a:rPr lang="fr-FR" dirty="0" err="1" smtClean="0"/>
-              <a:t>ki</a:t>
-            </a:r>
-            <a:endParaRPr lang="en-US" dirty="0"/>
-          </a:p>
-        </p:txBody>
-      </p:sp>
-    </p:spTree>
-    <p:extLst>
-      <p:ext uri="{BB962C8B-B14F-4D97-AF65-F5344CB8AC3E}">
-        <p14:creationId xmlns:p14="http://schemas.microsoft.com/office/powerpoint/2010/main" val="205605987"/>
+        <p14:creationId xmlns:p14="http://schemas.microsoft.com/office/powerpoint/2010/main" val="2052999784"/>
       </p:ext>
     </p:extLst>
   </p:cSld>
@@ -5051,28 +6202,29 @@
           <a:lstStyle/>
           <a:p>
             <a:r>
-              <a:rPr lang="en-US" dirty="0" smtClean="0"/>
-              <a:t>Problem with seq2seq</a:t>
-            </a:r>
-            <a:endParaRPr lang="en-US" dirty="0"/>
-          </a:p>
-        </p:txBody>
-      </p:sp>
-      <p:sp>
-        <p:nvSpPr>
-          <p:cNvPr id="5" name="Content Placeholder 4"/>
-          <p:cNvSpPr>
-            <a:spLocks noGrp="1"/>
-          </p:cNvSpPr>
-          <p:nvPr>
-            <p:ph idx="1"/>
-          </p:nvPr>
-        </p:nvSpPr>
-        <p:spPr/>
-        <p:txBody>
-          <a:bodyPr/>
-          <a:lstStyle/>
-          <a:p>
+              <a:rPr lang="en-US" dirty="0" err="1" smtClean="0"/>
+              <a:t>Tại</a:t>
+            </a:r>
+            <a:r>
+              <a:rPr lang="en-US" dirty="0" smtClean="0"/>
+              <a:t> </a:t>
+            </a:r>
+            <a:r>
+              <a:rPr lang="en-US" dirty="0" err="1" smtClean="0"/>
+              <a:t>sao</a:t>
+            </a:r>
+            <a:r>
+              <a:rPr lang="en-US" dirty="0" smtClean="0"/>
+              <a:t> </a:t>
+            </a:r>
+            <a:r>
+              <a:rPr lang="en-US" dirty="0" err="1" smtClean="0"/>
+              <a:t>cần</a:t>
+            </a:r>
+            <a:r>
+              <a:rPr lang="en-US" dirty="0" smtClean="0"/>
+              <a:t> attention</a:t>
+            </a:r>
             <a:endParaRPr lang="en-US" dirty="0"/>
           </a:p>
         </p:txBody>
@@ -5121,7 +6273,7 @@
     </p:spTree>
     <p:extLst>
       <p:ext uri="{BB962C8B-B14F-4D97-AF65-F5344CB8AC3E}">
-        <p14:creationId xmlns:p14="http://schemas.microsoft.com/office/powerpoint/2010/main" val="3807992532"/>
+        <p14:creationId xmlns:p14="http://schemas.microsoft.com/office/powerpoint/2010/main" val="141815696"/>
       </p:ext>
     </p:extLst>
   </p:cSld>
@@ -5164,28 +6316,37 @@
           <a:lstStyle/>
           <a:p>
             <a:r>
-              <a:rPr lang="en-US" dirty="0" smtClean="0"/>
-              <a:t>Attention</a:t>
-            </a:r>
-            <a:endParaRPr lang="en-US" dirty="0"/>
-          </a:p>
-        </p:txBody>
-      </p:sp>
-      <p:sp>
-        <p:nvSpPr>
-          <p:cNvPr id="3" name="Content Placeholder 2"/>
-          <p:cNvSpPr>
-            <a:spLocks noGrp="1"/>
-          </p:cNvSpPr>
-          <p:nvPr>
-            <p:ph idx="1"/>
-          </p:nvPr>
-        </p:nvSpPr>
-        <p:spPr/>
-        <p:txBody>
-          <a:bodyPr/>
-          <a:lstStyle/>
-          <a:p>
+              <a:rPr lang="en-US" dirty="0" err="1" smtClean="0"/>
+              <a:t>Cách</a:t>
+            </a:r>
+            <a:r>
+              <a:rPr lang="en-US" dirty="0" smtClean="0"/>
+              <a:t> </a:t>
+            </a:r>
+            <a:r>
+              <a:rPr lang="en-US" dirty="0" err="1" smtClean="0"/>
+              <a:t>áp</a:t>
+            </a:r>
+            <a:r>
+              <a:rPr lang="en-US" dirty="0" smtClean="0"/>
+              <a:t> </a:t>
+            </a:r>
+            <a:r>
+              <a:rPr lang="en-US" dirty="0" err="1" smtClean="0"/>
+              <a:t>dụng</a:t>
+            </a:r>
+            <a:r>
+              <a:rPr lang="en-US" dirty="0" smtClean="0"/>
+              <a:t> attention </a:t>
+            </a:r>
+            <a:r>
+              <a:rPr lang="en-US" dirty="0" err="1" smtClean="0"/>
+              <a:t>trong</a:t>
+            </a:r>
+            <a:r>
+              <a:rPr lang="en-US" dirty="0" smtClean="0"/>
+              <a:t> seq2seq</a:t>
+            </a:r>
             <a:endParaRPr lang="en-US" dirty="0"/>
           </a:p>
         </p:txBody>
@@ -5213,49 +6374,8 @@
         </p:blipFill>
         <p:spPr bwMode="auto">
           <a:xfrm>
-            <a:off x="441916" y="1949329"/>
-            <a:ext cx="5480419" cy="3221485"/>
-          </a:xfrm>
-          <a:prstGeom prst="rect">
-            <a:avLst/>
-          </a:prstGeom>
-          <a:noFill/>
-          <a:extLst>
-            <a:ext uri="{909E8E84-426E-40DD-AFC4-6F175D3DCCD1}">
-              <a14:hiddenFill xmlns:a14="http://schemas.microsoft.com/office/drawing/2010/main">
-                <a:solidFill>
-                  <a:srgbClr val="FFFFFF"/>
-                </a:solidFill>
-              </a14:hiddenFill>
-            </a:ext>
-          </a:extLst>
-        </p:spPr>
-      </p:pic>
-      <p:pic>
-        <p:nvPicPr>
-          <p:cNvPr id="5" name="Picture 2" descr="https://lena-voita.github.io/resources/lectures/seq2seq/attention/computation_scheme-min.png"/>
-          <p:cNvPicPr>
-            <a:picLocks noChangeAspect="1" noChangeArrowheads="1"/>
-          </p:cNvPicPr>
-          <p:nvPr/>
-        </p:nvPicPr>
-        <p:blipFill>
-          <a:blip r:embed="rId3" cstate="print">
-            <a:extLst>
-              <a:ext uri="{28A0092B-C50C-407E-A947-70E740481C1C}">
-                <a14:useLocalDpi xmlns:a14="http://schemas.microsoft.com/office/drawing/2010/main" val="0"/>
-              </a:ext>
-            </a:extLst>
-          </a:blip>
-          <a:srcRect/>
-          <a:stretch>
-            <a:fillRect/>
-          </a:stretch>
-        </p:blipFill>
-        <p:spPr bwMode="auto">
-          <a:xfrm>
-            <a:off x="6149986" y="1949329"/>
-            <a:ext cx="5024356" cy="3221485"/>
+            <a:off x="2172242" y="1891280"/>
+            <a:ext cx="7520399" cy="4420620"/>
           </a:xfrm>
           <a:prstGeom prst="rect">
             <a:avLst/>
@@ -5275,7 +6395,7 @@
     </p:spTree>
     <p:extLst>
       <p:ext uri="{BB962C8B-B14F-4D97-AF65-F5344CB8AC3E}">
-        <p14:creationId xmlns:p14="http://schemas.microsoft.com/office/powerpoint/2010/main" val="383765756"/>
+        <p14:creationId xmlns:p14="http://schemas.microsoft.com/office/powerpoint/2010/main" val="3709830440"/>
       </p:ext>
     </p:extLst>
   </p:cSld>
@@ -5312,6 +6432,120 @@
             <p:ph type="title"/>
           </p:nvPr>
         </p:nvSpPr>
+        <p:spPr/>
+        <p:txBody>
+          <a:bodyPr/>
+          <a:lstStyle/>
+          <a:p>
+            <a:r>
+              <a:rPr lang="en-US" dirty="0" err="1" smtClean="0"/>
+              <a:t>Công</a:t>
+            </a:r>
+            <a:r>
+              <a:rPr lang="en-US" dirty="0" smtClean="0"/>
+              <a:t> </a:t>
+            </a:r>
+            <a:r>
+              <a:rPr lang="en-US" dirty="0" err="1" smtClean="0"/>
+              <a:t>thức</a:t>
+            </a:r>
+            <a:r>
+              <a:rPr lang="en-US" dirty="0" smtClean="0"/>
+              <a:t> </a:t>
+            </a:r>
+            <a:r>
+              <a:rPr lang="en-US" dirty="0" err="1" smtClean="0"/>
+              <a:t>tính</a:t>
+            </a:r>
+            <a:r>
+              <a:rPr lang="en-US" dirty="0" smtClean="0"/>
+              <a:t> attention</a:t>
+            </a:r>
+            <a:endParaRPr lang="en-US" dirty="0"/>
+          </a:p>
+        </p:txBody>
+      </p:sp>
+      <p:pic>
+        <p:nvPicPr>
+          <p:cNvPr id="5" name="Picture 2" descr="https://lena-voita.github.io/resources/lectures/seq2seq/attention/computation_scheme-min.png"/>
+          <p:cNvPicPr>
+            <a:picLocks noChangeAspect="1" noChangeArrowheads="1"/>
+          </p:cNvPicPr>
+          <p:nvPr/>
+        </p:nvPicPr>
+        <p:blipFill>
+          <a:blip r:embed="rId2" cstate="print">
+            <a:extLst>
+              <a:ext uri="{28A0092B-C50C-407E-A947-70E740481C1C}">
+                <a14:useLocalDpi xmlns:a14="http://schemas.microsoft.com/office/drawing/2010/main" val="0"/>
+              </a:ext>
+            </a:extLst>
+          </a:blip>
+          <a:srcRect/>
+          <a:stretch>
+            <a:fillRect/>
+          </a:stretch>
+        </p:blipFill>
+        <p:spPr bwMode="auto">
+          <a:xfrm>
+            <a:off x="2464239" y="1690688"/>
+            <a:ext cx="7263522" cy="4657179"/>
+          </a:xfrm>
+          <a:prstGeom prst="rect">
+            <a:avLst/>
+          </a:prstGeom>
+          <a:noFill/>
+          <a:extLst>
+            <a:ext uri="{909E8E84-426E-40DD-AFC4-6F175D3DCCD1}">
+              <a14:hiddenFill xmlns:a14="http://schemas.microsoft.com/office/drawing/2010/main">
+                <a:solidFill>
+                  <a:srgbClr val="FFFFFF"/>
+                </a:solidFill>
+              </a14:hiddenFill>
+            </a:ext>
+          </a:extLst>
+        </p:spPr>
+      </p:pic>
+    </p:spTree>
+    <p:extLst>
+      <p:ext uri="{BB962C8B-B14F-4D97-AF65-F5344CB8AC3E}">
+        <p14:creationId xmlns:p14="http://schemas.microsoft.com/office/powerpoint/2010/main" val="2666506133"/>
+      </p:ext>
+    </p:extLst>
+  </p:cSld>
+  <p:clrMapOvr>
+    <a:masterClrMapping/>
+  </p:clrMapOvr>
+</p:sld>
+</file>
+
+<file path=ppt/slides/slide6.xml><?xml version="1.0" encoding="utf-8"?>
+<p:sld xmlns:a="http://schemas.openxmlformats.org/drawingml/2006/main" xmlns:r="http://schemas.openxmlformats.org/officeDocument/2006/relationships" xmlns:p="http://schemas.openxmlformats.org/presentationml/2006/main">
+  <p:cSld>
+    <p:spTree>
+      <p:nvGrpSpPr>
+        <p:cNvPr id="1" name=""/>
+        <p:cNvGrpSpPr/>
+        <p:nvPr/>
+      </p:nvGrpSpPr>
+      <p:grpSpPr>
+        <a:xfrm>
+          <a:off x="0" y="0"/>
+          <a:ext cx="0" cy="0"/>
+          <a:chOff x="0" y="0"/>
+          <a:chExt cx="0" cy="0"/>
+        </a:xfrm>
+      </p:grpSpPr>
+      <p:sp>
+        <p:nvSpPr>
+          <p:cNvPr id="2" name="Title 1"/>
+          <p:cNvSpPr>
+            <a:spLocks noGrp="1"/>
+          </p:cNvSpPr>
+          <p:nvPr>
+            <p:ph type="title"/>
+          </p:nvPr>
+        </p:nvSpPr>
         <p:spPr>
           <a:xfrm>
             <a:off x="838200" y="1222449"/>
@@ -5325,8 +6559,12 @@
           <a:lstStyle/>
           <a:p>
             <a:r>
-              <a:rPr lang="en-US" dirty="0" smtClean="0"/>
-              <a:t>Attention score</a:t>
+              <a:rPr lang="en-US" dirty="0" err="1" smtClean="0"/>
+              <a:t>Hàm</a:t>
+            </a:r>
+            <a:r>
+              <a:rPr lang="en-US" dirty="0" smtClean="0"/>
+              <a:t> attention</a:t>
             </a:r>
             <a:endParaRPr lang="en-US" dirty="0"/>
           </a:p>
@@ -5395,7 +6633,7 @@
     </p:spTree>
     <p:extLst>
       <p:ext uri="{BB962C8B-B14F-4D97-AF65-F5344CB8AC3E}">
-        <p14:creationId xmlns:p14="http://schemas.microsoft.com/office/powerpoint/2010/main" val="704623179"/>
+        <p14:creationId xmlns:p14="http://schemas.microsoft.com/office/powerpoint/2010/main" val="266628727"/>
       </p:ext>
     </p:extLst>
   </p:cSld>
@@ -5405,7 +6643,7 @@
 </p:sld>
 </file>
 
-<file path=ppt/slides/slide6.xml><?xml version="1.0" encoding="utf-8"?>
+<file path=ppt/slides/slide7.xml><?xml version="1.0" encoding="utf-8"?>
 <p:sld xmlns:a="http://schemas.openxmlformats.org/drawingml/2006/main" xmlns:r="http://schemas.openxmlformats.org/officeDocument/2006/relationships" xmlns:p="http://schemas.openxmlformats.org/presentationml/2006/main">
   <p:cSld>
     <p:spTree>
@@ -5464,8 +6702,8 @@
         </p:nvSpPr>
         <p:spPr>
           <a:xfrm>
-            <a:off x="338469" y="1921318"/>
-            <a:ext cx="3903922" cy="4351338"/>
+            <a:off x="211859" y="3918931"/>
+            <a:ext cx="5584029" cy="2158312"/>
           </a:xfrm>
         </p:spPr>
         <p:txBody>
@@ -5475,63 +6713,354 @@
           <a:lstStyle/>
           <a:p>
             <a:r>
-              <a:rPr lang="en-US" sz="1400" dirty="0"/>
+              <a:rPr lang="en-US" sz="1800" dirty="0"/>
               <a:t>encoder: </a:t>
             </a:r>
             <a:r>
-              <a:rPr lang="en-US" sz="1400" dirty="0" err="1"/>
-              <a:t>unirectional</a:t>
-            </a:r>
-            <a:r>
-              <a:rPr lang="en-US" sz="1400" dirty="0"/>
-              <a:t> (simple)</a:t>
-            </a:r>
-          </a:p>
-          <a:p>
-            <a:r>
-              <a:rPr lang="en-US" sz="1400" dirty="0"/>
-              <a:t>attention score: bilinear function</a:t>
-            </a:r>
-          </a:p>
-          <a:p>
-            <a:r>
-              <a:rPr lang="en-US" sz="1400" dirty="0"/>
-              <a:t>attention applied: between decoder RNN state t and prediction for this step</a:t>
-            </a:r>
-            <a:br>
-              <a:rPr lang="en-US" sz="1400" dirty="0"/>
-            </a:br>
-            <a:r>
-              <a:rPr lang="en-US" sz="1400" dirty="0"/>
-              <a:t>Attention is used after RNN decoder step t before making a prediction. State </a:t>
-            </a:r>
-            <a:r>
-              <a:rPr lang="en-US" sz="1400" dirty="0" err="1"/>
+              <a:rPr lang="en-US" sz="1800" dirty="0" smtClean="0"/>
+              <a:t>RNN </a:t>
+            </a:r>
+            <a:r>
+              <a:rPr lang="en-US" sz="1800" dirty="0" err="1" smtClean="0"/>
+              <a:t>một</a:t>
+            </a:r>
+            <a:r>
+              <a:rPr lang="en-US" sz="1800" dirty="0" smtClean="0"/>
+              <a:t> </a:t>
+            </a:r>
+            <a:r>
+              <a:rPr lang="en-US" sz="1800" dirty="0" err="1" smtClean="0"/>
+              <a:t>chiều</a:t>
+            </a:r>
+            <a:r>
+              <a:rPr lang="en-US" sz="1800" dirty="0" smtClean="0"/>
+              <a:t> </a:t>
+            </a:r>
+            <a:endParaRPr lang="en-US" sz="1800" dirty="0"/>
+          </a:p>
+          <a:p>
+            <a:r>
+              <a:rPr lang="en-US" sz="1800" dirty="0"/>
+              <a:t>attention score</a:t>
+            </a:r>
+            <a:r>
+              <a:rPr lang="en-US" sz="1800" dirty="0" smtClean="0"/>
+              <a:t>: </a:t>
+            </a:r>
+            <a:r>
+              <a:rPr lang="en-US" sz="1800" dirty="0" err="1" smtClean="0"/>
+              <a:t>hàm</a:t>
+            </a:r>
+            <a:r>
+              <a:rPr lang="en-US" sz="1800" dirty="0" smtClean="0"/>
+              <a:t> bilinear</a:t>
+            </a:r>
+            <a:endParaRPr lang="en-US" sz="1800" dirty="0"/>
+          </a:p>
+          <a:p>
+            <a:r>
+              <a:rPr lang="en-US" sz="1800" dirty="0" err="1" smtClean="0"/>
+              <a:t>Cách</a:t>
+            </a:r>
+            <a:r>
+              <a:rPr lang="en-US" sz="1800" dirty="0" smtClean="0"/>
+              <a:t> </a:t>
+            </a:r>
+            <a:r>
+              <a:rPr lang="en-US" sz="1800" dirty="0" err="1" smtClean="0"/>
+              <a:t>tính</a:t>
+            </a:r>
+            <a:r>
+              <a:rPr lang="en-US" sz="1800" dirty="0" smtClean="0"/>
+              <a:t> output ở decoder </a:t>
+            </a:r>
+            <a:r>
+              <a:rPr lang="en-US" sz="1800" dirty="0" err="1" smtClean="0"/>
+              <a:t>tại</a:t>
+            </a:r>
+            <a:r>
+              <a:rPr lang="en-US" sz="1800" dirty="0" smtClean="0"/>
+              <a:t> </a:t>
+            </a:r>
+            <a:r>
+              <a:rPr lang="en-US" sz="1800" dirty="0" err="1" smtClean="0"/>
+              <a:t>thời</a:t>
+            </a:r>
+            <a:r>
+              <a:rPr lang="en-US" sz="1800" dirty="0" smtClean="0"/>
+              <a:t> </a:t>
+            </a:r>
+            <a:r>
+              <a:rPr lang="en-US" sz="1800" dirty="0" err="1" smtClean="0"/>
+              <a:t>điểm</a:t>
+            </a:r>
+            <a:r>
+              <a:rPr lang="en-US" sz="1800" dirty="0" smtClean="0"/>
+              <a:t> t: </a:t>
+            </a:r>
+          </a:p>
+          <a:p>
+            <a:pPr lvl="1">
+              <a:buFont typeface="+mj-lt"/>
+              <a:buAutoNum type="arabicPeriod"/>
+            </a:pPr>
+            <a:r>
+              <a:rPr lang="en-US" sz="1100" dirty="0" err="1" smtClean="0"/>
+              <a:t>Lấy</a:t>
+            </a:r>
+            <a:r>
+              <a:rPr lang="en-US" sz="1100" dirty="0" smtClean="0"/>
+              <a:t> </a:t>
+            </a:r>
+            <a:r>
+              <a:rPr lang="en-US" sz="1100" dirty="0" err="1" smtClean="0"/>
+              <a:t>trạng</a:t>
+            </a:r>
+            <a:r>
+              <a:rPr lang="en-US" sz="1100" dirty="0" smtClean="0"/>
+              <a:t> </a:t>
+            </a:r>
+            <a:r>
+              <a:rPr lang="en-US" sz="1100" dirty="0" err="1" smtClean="0"/>
+              <a:t>thái</a:t>
+            </a:r>
+            <a:r>
+              <a:rPr lang="en-US" sz="1100" dirty="0" smtClean="0"/>
+              <a:t> </a:t>
+            </a:r>
+            <a:r>
+              <a:rPr lang="en-US" sz="1100" dirty="0" err="1" smtClean="0"/>
               <a:t>ht</a:t>
             </a:r>
             <a:r>
-              <a:rPr lang="en-US" sz="1400" dirty="0"/>
-              <a:t> used to compute attention and its output c(t). Then </a:t>
-            </a:r>
-            <a:r>
-              <a:rPr lang="en-US" sz="1400" dirty="0" err="1"/>
+              <a:rPr lang="en-US" sz="1100" dirty="0" smtClean="0"/>
+              <a:t> ở decoder</a:t>
+            </a:r>
+          </a:p>
+          <a:p>
+            <a:pPr lvl="1">
+              <a:buFont typeface="+mj-lt"/>
+              <a:buAutoNum type="arabicPeriod"/>
+            </a:pPr>
+            <a:r>
+              <a:rPr lang="en-US" sz="1100" dirty="0" err="1" smtClean="0"/>
+              <a:t>Kết</a:t>
+            </a:r>
+            <a:r>
+              <a:rPr lang="en-US" sz="1100" dirty="0" smtClean="0"/>
+              <a:t> </a:t>
+            </a:r>
+            <a:r>
+              <a:rPr lang="en-US" sz="1100" dirty="0" err="1" smtClean="0"/>
+              <a:t>hợp</a:t>
+            </a:r>
+            <a:r>
+              <a:rPr lang="en-US" sz="1100" dirty="0" smtClean="0"/>
+              <a:t> </a:t>
+            </a:r>
+            <a:r>
+              <a:rPr lang="en-US" sz="1100" dirty="0" err="1" smtClean="0"/>
+              <a:t>với</a:t>
+            </a:r>
+            <a:r>
+              <a:rPr lang="en-US" sz="1100" dirty="0" smtClean="0"/>
+              <a:t>  </a:t>
+            </a:r>
+            <a:r>
+              <a:rPr lang="en-US" sz="1100" dirty="0" err="1" smtClean="0"/>
+              <a:t>tất</a:t>
+            </a:r>
+            <a:r>
+              <a:rPr lang="en-US" sz="1100" dirty="0" smtClean="0"/>
+              <a:t> </a:t>
+            </a:r>
+            <a:r>
+              <a:rPr lang="en-US" sz="1100" dirty="0" err="1" smtClean="0"/>
+              <a:t>cả</a:t>
+            </a:r>
+            <a:r>
+              <a:rPr lang="en-US" sz="1100" dirty="0" smtClean="0"/>
+              <a:t> </a:t>
+            </a:r>
+            <a:r>
+              <a:rPr lang="en-US" sz="1100" dirty="0" err="1" smtClean="0"/>
+              <a:t>biến</a:t>
+            </a:r>
+            <a:r>
+              <a:rPr lang="en-US" sz="1100" dirty="0" smtClean="0"/>
+              <a:t> </a:t>
+            </a:r>
+            <a:r>
+              <a:rPr lang="en-US" sz="1100" dirty="0" err="1" smtClean="0"/>
+              <a:t>trạng</a:t>
+            </a:r>
+            <a:r>
+              <a:rPr lang="en-US" sz="1100" dirty="0" smtClean="0"/>
+              <a:t> </a:t>
+            </a:r>
+            <a:r>
+              <a:rPr lang="en-US" sz="1100" dirty="0" err="1" smtClean="0"/>
+              <a:t>thái</a:t>
+            </a:r>
+            <a:r>
+              <a:rPr lang="en-US" sz="1100" dirty="0" smtClean="0"/>
+              <a:t> ở encoder </a:t>
+            </a:r>
+            <a:r>
+              <a:rPr lang="en-US" sz="1100" dirty="0" err="1" smtClean="0"/>
+              <a:t>để</a:t>
+            </a:r>
+            <a:r>
+              <a:rPr lang="en-US" sz="1100" dirty="0" smtClean="0"/>
+              <a:t> </a:t>
+            </a:r>
+            <a:r>
+              <a:rPr lang="en-US" sz="1100" dirty="0" err="1" smtClean="0"/>
+              <a:t>tính</a:t>
+            </a:r>
+            <a:r>
+              <a:rPr lang="en-US" sz="1100" dirty="0" smtClean="0"/>
+              <a:t> </a:t>
+            </a:r>
+            <a:r>
+              <a:rPr lang="en-US" sz="1100" dirty="0" err="1" smtClean="0"/>
+              <a:t>ra</a:t>
+            </a:r>
+            <a:r>
+              <a:rPr lang="en-US" sz="1100" dirty="0" smtClean="0"/>
+              <a:t> attention </a:t>
+            </a:r>
+            <a:r>
+              <a:rPr lang="en-US" sz="1100" dirty="0" err="1" smtClean="0"/>
+              <a:t>ct</a:t>
+            </a:r>
+            <a:endParaRPr lang="en-US" sz="1100" dirty="0" smtClean="0"/>
+          </a:p>
+          <a:p>
+            <a:pPr lvl="1">
+              <a:buFont typeface="+mj-lt"/>
+              <a:buAutoNum type="arabicPeriod"/>
+            </a:pPr>
+            <a:r>
+              <a:rPr lang="en-US" sz="1100" dirty="0" err="1" smtClean="0"/>
+              <a:t>Cuối</a:t>
+            </a:r>
+            <a:r>
+              <a:rPr lang="en-US" sz="1100" dirty="0" smtClean="0"/>
+              <a:t> </a:t>
+            </a:r>
+            <a:r>
+              <a:rPr lang="en-US" sz="1100" dirty="0" err="1" smtClean="0"/>
+              <a:t>cùng</a:t>
+            </a:r>
+            <a:r>
+              <a:rPr lang="en-US" sz="1100" dirty="0"/>
+              <a:t> </a:t>
+            </a:r>
+            <a:r>
+              <a:rPr lang="en-US" sz="1100" dirty="0" err="1" smtClean="0"/>
               <a:t>ht</a:t>
             </a:r>
             <a:r>
-              <a:rPr lang="en-US" sz="1400" dirty="0"/>
-              <a:t> is combined with c(t) to get an updated representation </a:t>
-            </a:r>
-            <a:r>
-              <a:rPr lang="en-US" sz="1400" dirty="0" err="1"/>
-              <a:t>h~t</a:t>
-            </a:r>
-            <a:r>
-              <a:rPr lang="en-US" sz="1400" dirty="0"/>
-              <a:t>, which is used to get a prediction.</a:t>
-            </a:r>
-          </a:p>
-          <a:p>
-            <a:endParaRPr lang="en-US" sz="1400" dirty="0"/>
+              <a:rPr lang="en-US" sz="1100" dirty="0" smtClean="0"/>
+              <a:t> </a:t>
+            </a:r>
+            <a:r>
+              <a:rPr lang="en-US" sz="1100" dirty="0" err="1" smtClean="0"/>
+              <a:t>kết</a:t>
+            </a:r>
+            <a:r>
+              <a:rPr lang="en-US" sz="1100" dirty="0" smtClean="0"/>
+              <a:t> </a:t>
+            </a:r>
+            <a:r>
+              <a:rPr lang="en-US" sz="1100" dirty="0" err="1" smtClean="0"/>
+              <a:t>hợp</a:t>
+            </a:r>
+            <a:r>
+              <a:rPr lang="en-US" sz="1100" dirty="0" smtClean="0"/>
+              <a:t> </a:t>
+            </a:r>
+            <a:r>
+              <a:rPr lang="en-US" sz="1100" dirty="0" err="1" smtClean="0"/>
+              <a:t>với</a:t>
+            </a:r>
+            <a:r>
+              <a:rPr lang="en-US" sz="1100" dirty="0" smtClean="0"/>
+              <a:t> </a:t>
+            </a:r>
+            <a:r>
+              <a:rPr lang="en-US" sz="1100" dirty="0" err="1" smtClean="0"/>
+              <a:t>ct</a:t>
+            </a:r>
+            <a:r>
+              <a:rPr lang="en-US" sz="1100" dirty="0" smtClean="0"/>
+              <a:t> </a:t>
+            </a:r>
+            <a:r>
+              <a:rPr lang="en-US" sz="1100" dirty="0" err="1" smtClean="0"/>
+              <a:t>để</a:t>
+            </a:r>
+            <a:r>
+              <a:rPr lang="en-US" sz="1100" dirty="0" smtClean="0"/>
+              <a:t> </a:t>
+            </a:r>
+            <a:r>
+              <a:rPr lang="en-US" sz="1100" dirty="0" err="1" smtClean="0"/>
+              <a:t>tính</a:t>
+            </a:r>
+            <a:r>
+              <a:rPr lang="en-US" sz="1100" dirty="0" smtClean="0"/>
+              <a:t> </a:t>
+            </a:r>
+            <a:r>
+              <a:rPr lang="en-US" sz="1100" dirty="0" err="1" smtClean="0"/>
+              <a:t>ra</a:t>
+            </a:r>
+            <a:r>
+              <a:rPr lang="en-US" sz="1100" dirty="0" smtClean="0"/>
+              <a:t> output </a:t>
+            </a:r>
+            <a:r>
+              <a:rPr lang="en-US" sz="1100" dirty="0" err="1" smtClean="0"/>
+              <a:t>bằng</a:t>
+            </a:r>
+            <a:r>
+              <a:rPr lang="en-US" sz="1100" dirty="0" smtClean="0"/>
+              <a:t> </a:t>
+            </a:r>
+            <a:r>
+              <a:rPr lang="en-US" sz="1100" dirty="0" err="1" smtClean="0"/>
+              <a:t>hàm</a:t>
+            </a:r>
+            <a:r>
+              <a:rPr lang="en-US" sz="1100" dirty="0" smtClean="0"/>
+              <a:t> combine </a:t>
+            </a:r>
+            <a:r>
+              <a:rPr lang="en-US" sz="1100" dirty="0" err="1" smtClean="0"/>
+              <a:t>sử</a:t>
+            </a:r>
+            <a:r>
+              <a:rPr lang="en-US" sz="1100" dirty="0" smtClean="0"/>
+              <a:t> </a:t>
+            </a:r>
+            <a:r>
+              <a:rPr lang="en-US" sz="1100" dirty="0" err="1" smtClean="0"/>
+              <a:t>dụng</a:t>
+            </a:r>
+            <a:r>
+              <a:rPr lang="en-US" sz="1100" dirty="0" smtClean="0"/>
+              <a:t> </a:t>
+            </a:r>
+            <a:r>
+              <a:rPr lang="en-US" sz="1100" dirty="0" err="1" smtClean="0"/>
+              <a:t>tanh</a:t>
+            </a:r>
+            <a:endParaRPr lang="en-US" sz="1100" dirty="0"/>
+          </a:p>
+          <a:p>
+            <a:endParaRPr lang="en-US" sz="1800" dirty="0"/>
           </a:p>
         </p:txBody>
       </p:sp>
@@ -5579,7 +7108,7 @@
     </p:spTree>
     <p:extLst>
       <p:ext uri="{BB962C8B-B14F-4D97-AF65-F5344CB8AC3E}">
-        <p14:creationId xmlns:p14="http://schemas.microsoft.com/office/powerpoint/2010/main" val="2596909794"/>
+        <p14:creationId xmlns:p14="http://schemas.microsoft.com/office/powerpoint/2010/main" val="2134511348"/>
       </p:ext>
     </p:extLst>
   </p:cSld>
@@ -5589,7 +7118,7 @@
 </p:sld>
 </file>
 
-<file path=ppt/slides/slide7.xml><?xml version="1.0" encoding="utf-8"?>
+<file path=ppt/slides/slide8.xml><?xml version="1.0" encoding="utf-8"?>
 <p:sld xmlns:a="http://schemas.openxmlformats.org/drawingml/2006/main" xmlns:r="http://schemas.openxmlformats.org/officeDocument/2006/relationships" xmlns:p="http://schemas.openxmlformats.org/presentationml/2006/main">
   <p:cSld>
     <p:spTree>
@@ -5629,32 +7158,21 @@
           <a:lstStyle/>
           <a:p>
             <a:r>
+              <a:rPr lang="fr-FR" dirty="0" err="1" smtClean="0"/>
+              <a:t>Trọng</a:t>
+            </a:r>
+            <a:r>
               <a:rPr lang="fr-FR" dirty="0" smtClean="0"/>
-              <a:t>Attention </a:t>
+              <a:t> </a:t>
             </a:r>
             <a:r>
               <a:rPr lang="fr-FR" dirty="0" err="1" smtClean="0"/>
-              <a:t>weights</a:t>
-            </a:r>
-            <a:endParaRPr lang="en-US" dirty="0"/>
-          </a:p>
-        </p:txBody>
-      </p:sp>
-      <p:sp>
-        <p:nvSpPr>
-          <p:cNvPr id="3" name="Content Placeholder 2"/>
-          <p:cNvSpPr>
-            <a:spLocks noGrp="1"/>
-          </p:cNvSpPr>
-          <p:nvPr>
-            <p:ph idx="1"/>
-          </p:nvPr>
-        </p:nvSpPr>
-        <p:spPr/>
-        <p:txBody>
-          <a:bodyPr/>
-          <a:lstStyle/>
-          <a:p>
+              <a:t>số</a:t>
+            </a:r>
+            <a:r>
+              <a:rPr lang="fr-FR" dirty="0" smtClean="0"/>
+              <a:t> attention</a:t>
+            </a:r>
             <a:endParaRPr lang="en-US" dirty="0"/>
           </a:p>
         </p:txBody>
@@ -5703,79 +7221,7 @@
     </p:spTree>
     <p:extLst>
       <p:ext uri="{BB962C8B-B14F-4D97-AF65-F5344CB8AC3E}">
-        <p14:creationId xmlns:p14="http://schemas.microsoft.com/office/powerpoint/2010/main" val="3494286362"/>
-      </p:ext>
-    </p:extLst>
-  </p:cSld>
-  <p:clrMapOvr>
-    <a:masterClrMapping/>
-  </p:clrMapOvr>
-</p:sld>
-</file>
-
-<file path=ppt/slides/slide8.xml><?xml version="1.0" encoding="utf-8"?>
-<p:sld xmlns:a="http://schemas.openxmlformats.org/drawingml/2006/main" xmlns:r="http://schemas.openxmlformats.org/officeDocument/2006/relationships" xmlns:p="http://schemas.openxmlformats.org/presentationml/2006/main">
-  <p:cSld>
-    <p:spTree>
-      <p:nvGrpSpPr>
-        <p:cNvPr id="1" name=""/>
-        <p:cNvGrpSpPr/>
-        <p:nvPr/>
-      </p:nvGrpSpPr>
-      <p:grpSpPr>
-        <a:xfrm>
-          <a:off x="0" y="0"/>
-          <a:ext cx="0" cy="0"/>
-          <a:chOff x="0" y="0"/>
-          <a:chExt cx="0" cy="0"/>
-        </a:xfrm>
-      </p:grpSpPr>
-      <p:sp>
-        <p:nvSpPr>
-          <p:cNvPr id="2" name="Title 1"/>
-          <p:cNvSpPr>
-            <a:spLocks noGrp="1"/>
-          </p:cNvSpPr>
-          <p:nvPr>
-            <p:ph type="title"/>
-          </p:nvPr>
-        </p:nvSpPr>
-        <p:spPr/>
-        <p:txBody>
-          <a:bodyPr/>
-          <a:lstStyle/>
-          <a:p>
-            <a:r>
-              <a:rPr lang="fr-FR" dirty="0" err="1" smtClean="0"/>
-              <a:t>Optimization</a:t>
-            </a:r>
-            <a:endParaRPr lang="en-US" dirty="0"/>
-          </a:p>
-        </p:txBody>
-      </p:sp>
-      <p:sp>
-        <p:nvSpPr>
-          <p:cNvPr id="3" name="Text Placeholder 2"/>
-          <p:cNvSpPr>
-            <a:spLocks noGrp="1"/>
-          </p:cNvSpPr>
-          <p:nvPr>
-            <p:ph type="body" idx="1"/>
-          </p:nvPr>
-        </p:nvSpPr>
-        <p:spPr/>
-        <p:txBody>
-          <a:bodyPr/>
-          <a:lstStyle/>
-          <a:p>
-            <a:endParaRPr lang="en-US"/>
-          </a:p>
-        </p:txBody>
-      </p:sp>
-    </p:spTree>
-    <p:extLst>
-      <p:ext uri="{BB962C8B-B14F-4D97-AF65-F5344CB8AC3E}">
-        <p14:creationId xmlns:p14="http://schemas.microsoft.com/office/powerpoint/2010/main" val="3214963424"/>
+        <p14:creationId xmlns:p14="http://schemas.microsoft.com/office/powerpoint/2010/main" val="2801754708"/>
       </p:ext>
     </p:extLst>
   </p:cSld>
@@ -5804,12 +7250,12 @@
       </p:grpSpPr>
       <p:sp>
         <p:nvSpPr>
-          <p:cNvPr id="5" name="Content Placeholder 4"/>
-          <p:cNvSpPr>
-            <a:spLocks noGrp="1"/>
-          </p:cNvSpPr>
-          <p:nvPr>
-            <p:ph idx="1"/>
+          <p:cNvPr id="2" name="Title 1"/>
+          <p:cNvSpPr>
+            <a:spLocks noGrp="1"/>
+          </p:cNvSpPr>
+          <p:nvPr>
+            <p:ph type="title"/>
           </p:nvPr>
         </p:nvSpPr>
         <p:spPr/>
@@ -5817,61 +7263,61 @@
           <a:bodyPr/>
           <a:lstStyle/>
           <a:p>
+            <a:r>
+              <a:rPr lang="en-US" dirty="0" smtClean="0"/>
+              <a:t>Attention </a:t>
+            </a:r>
+            <a:r>
+              <a:rPr lang="en-US" dirty="0" err="1" smtClean="0"/>
+              <a:t>trong</a:t>
+            </a:r>
+            <a:r>
+              <a:rPr lang="en-US" dirty="0" smtClean="0"/>
+              <a:t> </a:t>
+            </a:r>
+            <a:r>
+              <a:rPr lang="en-US" dirty="0" err="1" smtClean="0"/>
+              <a:t>mô</a:t>
+            </a:r>
+            <a:r>
+              <a:rPr lang="en-US" dirty="0" smtClean="0"/>
+              <a:t> </a:t>
+            </a:r>
+            <a:r>
+              <a:rPr lang="en-US" dirty="0" err="1" smtClean="0"/>
+              <a:t>hình</a:t>
+            </a:r>
+            <a:r>
+              <a:rPr lang="en-US" dirty="0" smtClean="0"/>
+              <a:t> transformer</a:t>
+            </a:r>
+            <a:endParaRPr lang="en-US" dirty="0"/>
+          </a:p>
+        </p:txBody>
+      </p:sp>
+      <p:sp>
+        <p:nvSpPr>
+          <p:cNvPr id="3" name="Text Placeholder 2"/>
+          <p:cNvSpPr>
+            <a:spLocks noGrp="1"/>
+          </p:cNvSpPr>
+          <p:nvPr>
+            <p:ph type="body" idx="1"/>
+          </p:nvPr>
+        </p:nvSpPr>
+        <p:spPr/>
+        <p:txBody>
+          <a:bodyPr/>
+          <a:lstStyle/>
+          <a:p>
             <a:endParaRPr lang="en-US"/>
           </a:p>
         </p:txBody>
       </p:sp>
-      <p:sp>
-        <p:nvSpPr>
-          <p:cNvPr id="7" name="Title 6"/>
-          <p:cNvSpPr>
-            <a:spLocks noGrp="1"/>
-          </p:cNvSpPr>
-          <p:nvPr>
-            <p:ph type="title"/>
-          </p:nvPr>
-        </p:nvSpPr>
-        <p:spPr/>
-        <p:txBody>
-          <a:bodyPr/>
-          <a:lstStyle/>
-          <a:p>
-            <a:r>
-              <a:rPr lang="fr-FR" dirty="0" smtClean="0"/>
-              <a:t>Local minima</a:t>
-            </a:r>
-            <a:endParaRPr lang="en-US" dirty="0"/>
-          </a:p>
-        </p:txBody>
-      </p:sp>
-      <p:pic>
-        <p:nvPicPr>
-          <p:cNvPr id="8" name="Picture 7"/>
-          <p:cNvPicPr>
-            <a:picLocks noChangeAspect="1"/>
-          </p:cNvPicPr>
-          <p:nvPr/>
-        </p:nvPicPr>
-        <p:blipFill>
-          <a:blip r:embed="rId2"/>
-          <a:stretch>
-            <a:fillRect/>
-          </a:stretch>
-        </p:blipFill>
-        <p:spPr>
-          <a:xfrm>
-            <a:off x="3532896" y="2425884"/>
-            <a:ext cx="4477629" cy="3241269"/>
-          </a:xfrm>
-          <a:prstGeom prst="rect">
-            <a:avLst/>
-          </a:prstGeom>
-        </p:spPr>
-      </p:pic>
     </p:spTree>
     <p:extLst>
       <p:ext uri="{BB962C8B-B14F-4D97-AF65-F5344CB8AC3E}">
-        <p14:creationId xmlns:p14="http://schemas.microsoft.com/office/powerpoint/2010/main" val="2700387520"/>
+        <p14:creationId xmlns:p14="http://schemas.microsoft.com/office/powerpoint/2010/main" val="1928416217"/>
       </p:ext>
     </p:extLst>
   </p:cSld>
